--- a/cnn.pptx
+++ b/cnn.pptx
@@ -5,10 +5,10 @@
     <p:sldMasterId id="2147483648" r:id="rId4"/>
   </p:sldMasterIdLst>
   <p:notesMasterIdLst>
-    <p:notesMasterId r:id="rId37"/>
+    <p:notesMasterId r:id="rId36"/>
   </p:notesMasterIdLst>
   <p:handoutMasterIdLst>
-    <p:handoutMasterId r:id="rId38"/>
+    <p:handoutMasterId r:id="rId37"/>
   </p:handoutMasterIdLst>
   <p:sldIdLst>
     <p:sldId id="256" r:id="rId5"/>
@@ -39,10 +39,9 @@
     <p:sldId id="317" r:id="rId30"/>
     <p:sldId id="270" r:id="rId31"/>
     <p:sldId id="318" r:id="rId32"/>
-    <p:sldId id="319" r:id="rId33"/>
-    <p:sldId id="276" r:id="rId34"/>
-    <p:sldId id="316" r:id="rId35"/>
-    <p:sldId id="292" r:id="rId36"/>
+    <p:sldId id="276" r:id="rId33"/>
+    <p:sldId id="316" r:id="rId34"/>
+    <p:sldId id="292" r:id="rId35"/>
   </p:sldIdLst>
   <p:sldSz cx="12192000" cy="6858000"/>
   <p:notesSz cx="6858000" cy="9144000"/>
@@ -174,7 +173,6 @@
             <p14:sldId id="317"/>
             <p14:sldId id="270"/>
             <p14:sldId id="318"/>
-            <p14:sldId id="319"/>
             <p14:sldId id="276"/>
             <p14:sldId id="316"/>
             <p14:sldId id="292"/>
@@ -292,7 +290,7 @@
           <a:p>
             <a:fld id="{23CEAAF3-9831-450B-8D59-2C09DB96C8FC}" type="datetimeFigureOut">
               <a:rPr lang="en-US"/>
-              <a:t>6/7/2017</a:t>
+              <a:t>6/6/2018</a:t>
             </a:fld>
             <a:endParaRPr/>
           </a:p>
@@ -457,7 +455,7 @@
           <a:p>
             <a:fld id="{2D50CD79-FC16-4410-AB61-17F26E6D3BC8}" type="datetimeFigureOut">
               <a:rPr lang="en-US"/>
-              <a:t>6/7/2017</a:t>
+              <a:t>6/6/2018</a:t>
             </a:fld>
             <a:endParaRPr/>
           </a:p>
@@ -1099,7 +1097,7 @@
             <a:fld id="{402B9795-92DC-40DC-A1CA-9A4B349D7824}" type="datetimeFigureOut">
               <a:rPr lang="en-US" smtClean="0"/>
               <a:pPr/>
-              <a:t>6/7/2017</a:t>
+              <a:t>6/6/2018</a:t>
             </a:fld>
             <a:endParaRPr lang="en-US" dirty="0"/>
           </a:p>
@@ -1393,7 +1391,7 @@
           <a:p>
             <a:fld id="{402B9795-92DC-40DC-A1CA-9A4B349D7824}" type="datetimeFigureOut">
               <a:rPr lang="en-US"/>
-              <a:t>6/7/2017</a:t>
+              <a:t>6/6/2018</a:t>
             </a:fld>
             <a:endParaRPr/>
           </a:p>
@@ -1575,7 +1573,7 @@
           <a:p>
             <a:fld id="{402B9795-92DC-40DC-A1CA-9A4B349D7824}" type="datetimeFigureOut">
               <a:rPr lang="en-US"/>
-              <a:t>6/7/2017</a:t>
+              <a:t>6/6/2018</a:t>
             </a:fld>
             <a:endParaRPr/>
           </a:p>
@@ -1767,7 +1765,7 @@
           <a:p>
             <a:fld id="{402B9795-92DC-40DC-A1CA-9A4B349D7824}" type="datetimeFigureOut">
               <a:rPr lang="en-US"/>
-              <a:t>6/7/2017</a:t>
+              <a:t>6/6/2018</a:t>
             </a:fld>
             <a:endParaRPr/>
           </a:p>
@@ -2036,7 +2034,7 @@
           <a:p>
             <a:fld id="{402B9795-92DC-40DC-A1CA-9A4B349D7824}" type="datetimeFigureOut">
               <a:rPr lang="en-US"/>
-              <a:t>6/7/2017</a:t>
+              <a:t>6/6/2018</a:t>
             </a:fld>
             <a:endParaRPr/>
           </a:p>
@@ -3020,7 +3018,7 @@
           <a:p>
             <a:fld id="{402B9795-92DC-40DC-A1CA-9A4B349D7824}" type="datetimeFigureOut">
               <a:rPr lang="en-US"/>
-              <a:t>6/7/2017</a:t>
+              <a:t>6/6/2018</a:t>
             </a:fld>
             <a:endParaRPr/>
           </a:p>
@@ -3293,7 +3291,7 @@
           <a:p>
             <a:fld id="{402B9795-92DC-40DC-A1CA-9A4B349D7824}" type="datetimeFigureOut">
               <a:rPr lang="en-US"/>
-              <a:t>6/7/2017</a:t>
+              <a:t>6/6/2018</a:t>
             </a:fld>
             <a:endParaRPr/>
           </a:p>
@@ -3673,7 +3671,7 @@
           <a:p>
             <a:fld id="{402B9795-92DC-40DC-A1CA-9A4B349D7824}" type="datetimeFigureOut">
               <a:rPr lang="en-US"/>
-              <a:t>6/7/2017</a:t>
+              <a:t>6/6/2018</a:t>
             </a:fld>
             <a:endParaRPr/>
           </a:p>
@@ -3803,7 +3801,7 @@
           <a:p>
             <a:fld id="{402B9795-92DC-40DC-A1CA-9A4B349D7824}" type="datetimeFigureOut">
               <a:rPr lang="en-US"/>
-              <a:t>6/7/2017</a:t>
+              <a:t>6/6/2018</a:t>
             </a:fld>
             <a:endParaRPr/>
           </a:p>
@@ -3910,7 +3908,7 @@
           <a:p>
             <a:fld id="{402B9795-92DC-40DC-A1CA-9A4B349D7824}" type="datetimeFigureOut">
               <a:rPr lang="en-US"/>
-              <a:t>6/7/2017</a:t>
+              <a:t>6/6/2018</a:t>
             </a:fld>
             <a:endParaRPr/>
           </a:p>
@@ -4201,7 +4199,7 @@
           <a:p>
             <a:fld id="{402B9795-92DC-40DC-A1CA-9A4B349D7824}" type="datetimeFigureOut">
               <a:rPr lang="en-US"/>
-              <a:t>6/7/2017</a:t>
+              <a:t>6/6/2018</a:t>
             </a:fld>
             <a:endParaRPr/>
           </a:p>
@@ -4427,7 +4425,7 @@
             <a:fld id="{402B9795-92DC-40DC-A1CA-9A4B349D7824}" type="datetimeFigureOut">
               <a:rPr lang="en-US" smtClean="0"/>
               <a:pPr/>
-              <a:t>6/7/2017</a:t>
+              <a:t>6/6/2018</a:t>
             </a:fld>
             <a:endParaRPr lang="en-US"/>
           </a:p>
@@ -5078,6 +5076,13 @@
       </p:transition>
     </mc:Fallback>
   </mc:AlternateContent>
+  <p:timing>
+    <p:tnLst>
+      <p:par>
+        <p:cTn id="1" dur="indefinite" restart="never" nodeType="tmRoot"/>
+      </p:par>
+    </p:tnLst>
+  </p:timing>
 </p:sld>
 </file>
 
@@ -6178,6 +6183,13 @@
       </p:transition>
     </mc:Fallback>
   </mc:AlternateContent>
+  <p:timing>
+    <p:tnLst>
+      <p:par>
+        <p:cTn id="1" dur="indefinite" restart="never" nodeType="tmRoot"/>
+      </p:par>
+    </p:tnLst>
+  </p:timing>
 </p:sld>
 </file>
 
@@ -6333,6 +6345,13 @@
       </p:transition>
     </mc:Fallback>
   </mc:AlternateContent>
+  <p:timing>
+    <p:tnLst>
+      <p:par>
+        <p:cTn id="1" dur="indefinite" restart="never" nodeType="tmRoot"/>
+      </p:par>
+    </p:tnLst>
+  </p:timing>
 </p:sld>
 </file>
 
@@ -6885,6 +6904,13 @@
       </p:transition>
     </mc:Fallback>
   </mc:AlternateContent>
+  <p:timing>
+    <p:tnLst>
+      <p:par>
+        <p:cTn id="1" dur="indefinite" restart="never" nodeType="tmRoot"/>
+      </p:par>
+    </p:tnLst>
+  </p:timing>
 </p:sld>
 </file>
 
@@ -7194,6 +7220,13 @@
       </p:transition>
     </mc:Fallback>
   </mc:AlternateContent>
+  <p:timing>
+    <p:tnLst>
+      <p:par>
+        <p:cTn id="1" dur="indefinite" restart="never" nodeType="tmRoot"/>
+      </p:par>
+    </p:tnLst>
+  </p:timing>
 </p:sld>
 </file>
 
@@ -7994,6 +8027,13 @@
       </p:transition>
     </mc:Fallback>
   </mc:AlternateContent>
+  <p:timing>
+    <p:tnLst>
+      <p:par>
+        <p:cTn id="1" dur="indefinite" restart="never" nodeType="tmRoot"/>
+      </p:par>
+    </p:tnLst>
+  </p:timing>
 </p:sld>
 </file>
 
@@ -9086,6 +9126,13 @@
       </p:transition>
     </mc:Fallback>
   </mc:AlternateContent>
+  <p:timing>
+    <p:tnLst>
+      <p:par>
+        <p:cTn id="1" dur="indefinite" restart="never" nodeType="tmRoot"/>
+      </p:par>
+    </p:tnLst>
+  </p:timing>
 </p:sld>
 </file>
 
@@ -9216,6 +9263,13 @@
       </p:transition>
     </mc:Fallback>
   </mc:AlternateContent>
+  <p:timing>
+    <p:tnLst>
+      <p:par>
+        <p:cTn id="1" dur="indefinite" restart="never" nodeType="tmRoot"/>
+      </p:par>
+    </p:tnLst>
+  </p:timing>
 </p:sld>
 </file>
 
@@ -9342,6 +9396,13 @@
       </p:transition>
     </mc:Fallback>
   </mc:AlternateContent>
+  <p:timing>
+    <p:tnLst>
+      <p:par>
+        <p:cTn id="1" dur="indefinite" restart="never" nodeType="tmRoot"/>
+      </p:par>
+    </p:tnLst>
+  </p:timing>
 </p:sld>
 </file>
 
@@ -9408,6 +9469,13 @@
       </p:transition>
     </mc:Fallback>
   </mc:AlternateContent>
+  <p:timing>
+    <p:tnLst>
+      <p:par>
+        <p:cTn id="1" dur="indefinite" restart="never" nodeType="tmRoot"/>
+      </p:par>
+    </p:tnLst>
+  </p:timing>
 </p:sld>
 </file>
 
@@ -10404,6 +10472,13 @@
       </p:transition>
     </mc:Fallback>
   </mc:AlternateContent>
+  <p:timing>
+    <p:tnLst>
+      <p:par>
+        <p:cTn id="1" dur="indefinite" restart="never" nodeType="tmRoot"/>
+      </p:par>
+    </p:tnLst>
+  </p:timing>
 </p:sld>
 </file>
 
@@ -10522,6 +10597,13 @@
       </p:transition>
     </mc:Fallback>
   </mc:AlternateContent>
+  <p:timing>
+    <p:tnLst>
+      <p:par>
+        <p:cTn id="1" dur="indefinite" restart="never" nodeType="tmRoot"/>
+      </p:par>
+    </p:tnLst>
+  </p:timing>
 </p:sld>
 </file>
 
@@ -12864,6 +12946,13 @@
       </p:transition>
     </mc:Fallback>
   </mc:AlternateContent>
+  <p:timing>
+    <p:tnLst>
+      <p:par>
+        <p:cTn id="1" dur="indefinite" restart="never" nodeType="tmRoot"/>
+      </p:par>
+    </p:tnLst>
+  </p:timing>
 </p:sld>
 </file>
 
@@ -12999,6 +13088,13 @@
       </p:transition>
     </mc:Fallback>
   </mc:AlternateContent>
+  <p:timing>
+    <p:tnLst>
+      <p:par>
+        <p:cTn id="1" dur="indefinite" restart="never" nodeType="tmRoot"/>
+      </p:par>
+    </p:tnLst>
+  </p:timing>
 </p:sld>
 </file>
 
@@ -13495,6 +13591,13 @@
       </p:transition>
     </mc:Fallback>
   </mc:AlternateContent>
+  <p:timing>
+    <p:tnLst>
+      <p:par>
+        <p:cTn id="1" dur="indefinite" restart="never" nodeType="tmRoot"/>
+      </p:par>
+    </p:tnLst>
+  </p:timing>
 </p:sld>
 </file>
 
@@ -14858,6 +14961,13 @@
       </p:transition>
     </mc:Fallback>
   </mc:AlternateContent>
+  <p:timing>
+    <p:tnLst>
+      <p:par>
+        <p:cTn id="1" dur="indefinite" restart="never" nodeType="tmRoot"/>
+      </p:par>
+    </p:tnLst>
+  </p:timing>
 </p:sld>
 </file>
 
@@ -14984,6 +15094,13 @@
       </p:transition>
     </mc:Fallback>
   </mc:AlternateContent>
+  <p:timing>
+    <p:tnLst>
+      <p:par>
+        <p:cTn id="1" dur="indefinite" restart="never" nodeType="tmRoot"/>
+      </p:par>
+    </p:tnLst>
+  </p:timing>
 </p:sld>
 </file>
 
@@ -15187,6 +15304,13 @@
       </p:transition>
     </mc:Fallback>
   </mc:AlternateContent>
+  <p:timing>
+    <p:tnLst>
+      <p:par>
+        <p:cTn id="1" dur="indefinite" restart="never" nodeType="tmRoot"/>
+      </p:par>
+    </p:tnLst>
+  </p:timing>
 </p:sld>
 </file>
 
@@ -15315,6 +15439,13 @@
       </p:transition>
     </mc:Fallback>
   </mc:AlternateContent>
+  <p:timing>
+    <p:tnLst>
+      <p:par>
+        <p:cTn id="1" dur="indefinite" restart="never" nodeType="tmRoot"/>
+      </p:par>
+    </p:tnLst>
+  </p:timing>
 </p:sld>
 </file>
 
@@ -15414,6 +15545,13 @@
       </p:transition>
     </mc:Fallback>
   </mc:AlternateContent>
+  <p:timing>
+    <p:tnLst>
+      <p:par>
+        <p:cTn id="1" dur="indefinite" restart="never" nodeType="tmRoot"/>
+      </p:par>
+    </p:tnLst>
+  </p:timing>
 </p:sld>
 </file>
 
@@ -15579,6 +15717,13 @@
       </p:transition>
     </mc:Fallback>
   </mc:AlternateContent>
+  <p:timing>
+    <p:tnLst>
+      <p:par>
+        <p:cTn id="1" dur="indefinite" restart="never" nodeType="tmRoot"/>
+      </p:par>
+    </p:tnLst>
+  </p:timing>
 </p:sld>
 </file>
 
@@ -15616,119 +15761,73 @@
           <a:p>
             <a:r>
               <a:rPr lang="de-DE" dirty="0"/>
-              <a:t>NLP: </a:t>
-            </a:r>
-            <a:r>
-              <a:rPr lang="de-DE" dirty="0" err="1"/>
-              <a:t>What</a:t>
-            </a:r>
-            <a:r>
-              <a:rPr lang="de-DE" dirty="0"/>
-              <a:t> </a:t>
-            </a:r>
-            <a:r>
-              <a:rPr lang="de-DE" dirty="0" err="1"/>
-              <a:t>area</a:t>
-            </a:r>
-            <a:r>
-              <a:rPr lang="de-DE" dirty="0"/>
-              <a:t> </a:t>
-            </a:r>
-            <a:r>
-              <a:rPr lang="de-DE" dirty="0" err="1"/>
-              <a:t>would</a:t>
-            </a:r>
-            <a:r>
-              <a:rPr lang="de-DE" dirty="0"/>
-              <a:t> </a:t>
-            </a:r>
-            <a:r>
-              <a:rPr lang="de-DE" dirty="0" err="1"/>
-              <a:t>be</a:t>
-            </a:r>
-            <a:r>
-              <a:rPr lang="de-DE" dirty="0"/>
-              <a:t> </a:t>
-            </a:r>
-            <a:r>
-              <a:rPr lang="de-DE" dirty="0" err="1"/>
-              <a:t>bad</a:t>
-            </a:r>
-            <a:r>
-              <a:rPr lang="de-DE" dirty="0"/>
-              <a:t> </a:t>
-            </a:r>
-            <a:r>
-              <a:rPr lang="de-DE" dirty="0" err="1"/>
-              <a:t>fits</a:t>
-            </a:r>
-            <a:endParaRPr lang="de-DE" dirty="0"/>
+              <a:t>NLP</a:t>
+            </a:r>
           </a:p>
         </p:txBody>
       </p:sp>
-      <p:sp>
-        <p:nvSpPr>
-          <p:cNvPr id="3" name="Content Placeholder 2"/>
-          <p:cNvSpPr>
-            <a:spLocks noGrp="1"/>
-          </p:cNvSpPr>
+      <p:pic>
+        <p:nvPicPr>
+          <p:cNvPr id="5" name="Content Placeholder 4"/>
+          <p:cNvPicPr>
+            <a:picLocks noGrp="1" noChangeAspect="1"/>
+          </p:cNvPicPr>
           <p:nvPr>
             <p:ph idx="1"/>
           </p:nvPr>
+        </p:nvPicPr>
+        <p:blipFill>
+          <a:blip r:embed="rId2">
+            <a:extLst>
+              <a:ext uri="{28A0092B-C50C-407E-A947-70E740481C1C}">
+                <a14:useLocalDpi xmlns:a14="http://schemas.microsoft.com/office/drawing/2010/main" val="0"/>
+              </a:ext>
+            </a:extLst>
+          </a:blip>
+          <a:stretch>
+            <a:fillRect/>
+          </a:stretch>
+        </p:blipFill>
+        <p:spPr>
+          <a:xfrm>
+            <a:off x="3102844" y="1381681"/>
+            <a:ext cx="5984793" cy="5476319"/>
+          </a:xfrm>
+        </p:spPr>
+      </p:pic>
+      <p:sp>
+        <p:nvSpPr>
+          <p:cNvPr id="6" name="Rectangle 5"/>
+          <p:cNvSpPr/>
+          <p:nvPr/>
         </p:nvSpPr>
-        <p:spPr/>
+        <p:spPr>
+          <a:xfrm>
+            <a:off x="-760" y="6396335"/>
+            <a:ext cx="3103604" cy="461665"/>
+          </a:xfrm>
+          <a:prstGeom prst="rect">
+            <a:avLst/>
+          </a:prstGeom>
+        </p:spPr>
         <p:txBody>
-          <a:bodyPr/>
+          <a:bodyPr wrap="square">
+            <a:spAutoFit/>
+          </a:bodyPr>
           <a:lstStyle/>
           <a:p>
-            <a:pPr marL="0" indent="0">
-              <a:buNone/>
-            </a:pPr>
-            <a:r>
-              <a:rPr lang="en-US" dirty="0"/>
-              <a:t>Convolutions and pooling operations lose information about the local order of words</a:t>
-            </a:r>
-          </a:p>
-          <a:p>
-            <a:pPr>
-              <a:buFontTx/>
-              <a:buChar char="-"/>
-            </a:pPr>
-            <a:r>
-              <a:rPr lang="en-US" dirty="0" err="1"/>
-              <a:t>PoS</a:t>
-            </a:r>
-            <a:r>
-              <a:rPr lang="en-US" dirty="0"/>
-              <a:t> Tagging</a:t>
-            </a:r>
-          </a:p>
-          <a:p>
-            <a:pPr>
-              <a:buFontTx/>
-              <a:buChar char="-"/>
-            </a:pPr>
-            <a:r>
-              <a:rPr lang="en-US" dirty="0"/>
-              <a:t>Entity Extraction</a:t>
-            </a:r>
-          </a:p>
-          <a:p>
-            <a:pPr marL="0" indent="0">
-              <a:buNone/>
-            </a:pPr>
-            <a:r>
-              <a:rPr lang="en-US" dirty="0"/>
-              <a:t>=&gt; sequence tagging is a harder to fit into a pure CNN architecture</a:t>
-            </a:r>
-            <a:endParaRPr lang="de-DE" dirty="0"/>
+            <a:r>
+              <a:rPr lang="en-US" sz="800" dirty="0"/>
+              <a:t>Source: Zhang, Y., &amp; Wallace, B. (2015). A Sensitivity Analysis of (and Practitioners’ Guide to) Convolutional Neural Networks for Sentence Classification</a:t>
+            </a:r>
+            <a:endParaRPr lang="de-DE" sz="800" dirty="0"/>
           </a:p>
         </p:txBody>
       </p:sp>
     </p:spTree>
     <p:extLst>
       <p:ext uri="{BB962C8B-B14F-4D97-AF65-F5344CB8AC3E}">
-        <p14:creationId xmlns:p14="http://schemas.microsoft.com/office/powerpoint/2010/main" val="524298200"/>
+        <p14:creationId xmlns:p14="http://schemas.microsoft.com/office/powerpoint/2010/main" val="1558654634"/>
       </p:ext>
     </p:extLst>
   </p:cSld>
@@ -15747,6 +15846,13 @@
       </p:transition>
     </mc:Fallback>
   </mc:AlternateContent>
+  <p:timing>
+    <p:tnLst>
+      <p:par>
+        <p:cTn id="1" dur="indefinite" restart="never" nodeType="tmRoot"/>
+      </p:par>
+    </p:tnLst>
+  </p:timing>
 </p:sld>
 </file>
 
@@ -16025,6 +16131,13 @@
       </p:transition>
     </mc:Fallback>
   </mc:AlternateContent>
+  <p:timing>
+    <p:tnLst>
+      <p:par>
+        <p:cTn id="1" dur="indefinite" restart="never" nodeType="tmRoot"/>
+      </p:par>
+    </p:tnLst>
+  </p:timing>
 </p:sld>
 </file>
 
@@ -16062,73 +16175,942 @@
           <a:p>
             <a:r>
               <a:rPr lang="de-DE" dirty="0"/>
-              <a:t>NLP</a:t>
+              <a:t>References</a:t>
             </a:r>
           </a:p>
         </p:txBody>
       </p:sp>
-      <p:pic>
-        <p:nvPicPr>
-          <p:cNvPr id="5" name="Content Placeholder 4"/>
-          <p:cNvPicPr>
-            <a:picLocks noGrp="1" noChangeAspect="1"/>
-          </p:cNvPicPr>
+      <p:sp>
+        <p:nvSpPr>
+          <p:cNvPr id="3" name="Content Placeholder 2"/>
+          <p:cNvSpPr>
+            <a:spLocks noGrp="1"/>
+          </p:cNvSpPr>
           <p:nvPr>
             <p:ph idx="1"/>
           </p:nvPr>
-        </p:nvPicPr>
-        <p:blipFill>
-          <a:blip r:embed="rId2">
-            <a:extLst>
-              <a:ext uri="{28A0092B-C50C-407E-A947-70E740481C1C}">
-                <a14:useLocalDpi xmlns:a14="http://schemas.microsoft.com/office/drawing/2010/main" val="0"/>
-              </a:ext>
-            </a:extLst>
-          </a:blip>
-          <a:stretch>
-            <a:fillRect/>
-          </a:stretch>
-        </p:blipFill>
-        <p:spPr>
-          <a:xfrm>
-            <a:off x="3102844" y="1381681"/>
-            <a:ext cx="5984793" cy="5476319"/>
-          </a:xfrm>
-        </p:spPr>
-      </p:pic>
-      <p:sp>
-        <p:nvSpPr>
-          <p:cNvPr id="6" name="Rectangle 5"/>
-          <p:cNvSpPr/>
-          <p:nvPr/>
         </p:nvSpPr>
-        <p:spPr>
-          <a:xfrm>
-            <a:off x="-760" y="6396335"/>
-            <a:ext cx="3103604" cy="461665"/>
-          </a:xfrm>
-          <a:prstGeom prst="rect">
-            <a:avLst/>
-          </a:prstGeom>
-        </p:spPr>
+        <p:spPr/>
         <p:txBody>
-          <a:bodyPr wrap="square">
-            <a:spAutoFit/>
+          <a:bodyPr>
+            <a:noAutofit/>
           </a:bodyPr>
           <a:lstStyle/>
           <a:p>
             <a:r>
-              <a:rPr lang="en-US" sz="800" dirty="0"/>
-              <a:t>Source: Zhang, Y., &amp; Wallace, B. (2015). A Sensitivity Analysis of (and Practitioners’ Guide to) Convolutional Neural Networks for Sentence Classification</a:t>
-            </a:r>
-            <a:endParaRPr lang="de-DE" sz="800" dirty="0"/>
+              <a:rPr lang="de-DE" sz="1050" dirty="0"/>
+              <a:t>[1] </a:t>
+            </a:r>
+            <a:r>
+              <a:rPr lang="de-DE" sz="1050" dirty="0">
+                <a:hlinkClick r:id="rId2"/>
+              </a:rPr>
+              <a:t>Kim, Y. (2014). </a:t>
+            </a:r>
+            <a:r>
+              <a:rPr lang="de-DE" sz="1050" dirty="0" err="1">
+                <a:hlinkClick r:id="rId2"/>
+              </a:rPr>
+              <a:t>Convolutional</a:t>
+            </a:r>
+            <a:r>
+              <a:rPr lang="de-DE" sz="1050" dirty="0">
+                <a:hlinkClick r:id="rId2"/>
+              </a:rPr>
+              <a:t> </a:t>
+            </a:r>
+            <a:r>
+              <a:rPr lang="de-DE" sz="1050" dirty="0" err="1">
+                <a:hlinkClick r:id="rId2"/>
+              </a:rPr>
+              <a:t>Neural</a:t>
+            </a:r>
+            <a:r>
+              <a:rPr lang="de-DE" sz="1050" dirty="0">
+                <a:hlinkClick r:id="rId2"/>
+              </a:rPr>
+              <a:t> Networks </a:t>
+            </a:r>
+            <a:r>
+              <a:rPr lang="de-DE" sz="1050" dirty="0" err="1">
+                <a:hlinkClick r:id="rId2"/>
+              </a:rPr>
+              <a:t>for</a:t>
+            </a:r>
+            <a:r>
+              <a:rPr lang="de-DE" sz="1050" dirty="0">
+                <a:hlinkClick r:id="rId2"/>
+              </a:rPr>
+              <a:t> </a:t>
+            </a:r>
+            <a:r>
+              <a:rPr lang="de-DE" sz="1050" dirty="0" err="1">
+                <a:hlinkClick r:id="rId2"/>
+              </a:rPr>
+              <a:t>Sentence</a:t>
+            </a:r>
+            <a:r>
+              <a:rPr lang="de-DE" sz="1050" dirty="0">
+                <a:hlinkClick r:id="rId2"/>
+              </a:rPr>
+              <a:t> Classification. Proceedings </a:t>
+            </a:r>
+            <a:r>
+              <a:rPr lang="de-DE" sz="1050" dirty="0" err="1">
+                <a:hlinkClick r:id="rId2"/>
+              </a:rPr>
+              <a:t>of</a:t>
+            </a:r>
+            <a:r>
+              <a:rPr lang="de-DE" sz="1050" dirty="0">
+                <a:hlinkClick r:id="rId2"/>
+              </a:rPr>
+              <a:t> </a:t>
+            </a:r>
+            <a:r>
+              <a:rPr lang="de-DE" sz="1050" dirty="0" err="1">
+                <a:hlinkClick r:id="rId2"/>
+              </a:rPr>
+              <a:t>the</a:t>
+            </a:r>
+            <a:r>
+              <a:rPr lang="de-DE" sz="1050" dirty="0">
+                <a:hlinkClick r:id="rId2"/>
+              </a:rPr>
+              <a:t> 2014 Conference on </a:t>
+            </a:r>
+            <a:r>
+              <a:rPr lang="de-DE" sz="1050" dirty="0" err="1">
+                <a:hlinkClick r:id="rId2"/>
+              </a:rPr>
+              <a:t>Empirical</a:t>
+            </a:r>
+            <a:r>
+              <a:rPr lang="de-DE" sz="1050" dirty="0">
+                <a:hlinkClick r:id="rId2"/>
+              </a:rPr>
+              <a:t> Methods in Natural Language Processing (EMNLP 2014), 1746–1751.</a:t>
+            </a:r>
+            <a:endParaRPr lang="de-DE" sz="1050" dirty="0"/>
+          </a:p>
+          <a:p>
+            <a:r>
+              <a:rPr lang="de-DE" sz="1050" dirty="0"/>
+              <a:t>[2] </a:t>
+            </a:r>
+            <a:r>
+              <a:rPr lang="de-DE" sz="1050" dirty="0" err="1">
+                <a:hlinkClick r:id="rId3"/>
+              </a:rPr>
+              <a:t>Kalchbrenner</a:t>
+            </a:r>
+            <a:r>
+              <a:rPr lang="de-DE" sz="1050" dirty="0">
+                <a:hlinkClick r:id="rId3"/>
+              </a:rPr>
+              <a:t>, N., </a:t>
+            </a:r>
+            <a:r>
+              <a:rPr lang="de-DE" sz="1050" dirty="0" err="1">
+                <a:hlinkClick r:id="rId3"/>
+              </a:rPr>
+              <a:t>Grefenstette</a:t>
+            </a:r>
+            <a:r>
+              <a:rPr lang="de-DE" sz="1050" dirty="0">
+                <a:hlinkClick r:id="rId3"/>
+              </a:rPr>
+              <a:t>, E., &amp; </a:t>
+            </a:r>
+            <a:r>
+              <a:rPr lang="de-DE" sz="1050" dirty="0" err="1">
+                <a:hlinkClick r:id="rId3"/>
+              </a:rPr>
+              <a:t>Blunsom</a:t>
+            </a:r>
+            <a:r>
+              <a:rPr lang="de-DE" sz="1050" dirty="0">
+                <a:hlinkClick r:id="rId3"/>
+              </a:rPr>
+              <a:t>, P. (2014). A </a:t>
+            </a:r>
+            <a:r>
+              <a:rPr lang="de-DE" sz="1050" dirty="0" err="1">
+                <a:hlinkClick r:id="rId3"/>
+              </a:rPr>
+              <a:t>Convolutional</a:t>
+            </a:r>
+            <a:r>
+              <a:rPr lang="de-DE" sz="1050" dirty="0">
+                <a:hlinkClick r:id="rId3"/>
+              </a:rPr>
+              <a:t> </a:t>
+            </a:r>
+            <a:r>
+              <a:rPr lang="de-DE" sz="1050" dirty="0" err="1">
+                <a:hlinkClick r:id="rId3"/>
+              </a:rPr>
+              <a:t>Neural</a:t>
+            </a:r>
+            <a:r>
+              <a:rPr lang="de-DE" sz="1050" dirty="0">
+                <a:hlinkClick r:id="rId3"/>
+              </a:rPr>
+              <a:t> Network </a:t>
+            </a:r>
+            <a:r>
+              <a:rPr lang="de-DE" sz="1050" dirty="0" err="1">
+                <a:hlinkClick r:id="rId3"/>
+              </a:rPr>
+              <a:t>for</a:t>
+            </a:r>
+            <a:r>
+              <a:rPr lang="de-DE" sz="1050" dirty="0">
+                <a:hlinkClick r:id="rId3"/>
+              </a:rPr>
+              <a:t> </a:t>
+            </a:r>
+            <a:r>
+              <a:rPr lang="de-DE" sz="1050" dirty="0" err="1">
+                <a:hlinkClick r:id="rId3"/>
+              </a:rPr>
+              <a:t>Modelling</a:t>
+            </a:r>
+            <a:r>
+              <a:rPr lang="de-DE" sz="1050" dirty="0">
+                <a:hlinkClick r:id="rId3"/>
+              </a:rPr>
+              <a:t> </a:t>
+            </a:r>
+            <a:r>
+              <a:rPr lang="de-DE" sz="1050" dirty="0" err="1">
+                <a:hlinkClick r:id="rId3"/>
+              </a:rPr>
+              <a:t>Sentences</a:t>
+            </a:r>
+            <a:r>
+              <a:rPr lang="de-DE" sz="1050" dirty="0">
+                <a:hlinkClick r:id="rId3"/>
+              </a:rPr>
+              <a:t>. </a:t>
+            </a:r>
+            <a:r>
+              <a:rPr lang="de-DE" sz="1050" dirty="0" err="1">
+                <a:hlinkClick r:id="rId3"/>
+              </a:rPr>
+              <a:t>Acl</a:t>
+            </a:r>
+            <a:r>
+              <a:rPr lang="de-DE" sz="1050" dirty="0">
+                <a:hlinkClick r:id="rId3"/>
+              </a:rPr>
+              <a:t>, 655–665.</a:t>
+            </a:r>
+            <a:endParaRPr lang="de-DE" sz="1050" dirty="0"/>
+          </a:p>
+          <a:p>
+            <a:r>
+              <a:rPr lang="de-DE" sz="1050" dirty="0"/>
+              <a:t>[3] </a:t>
+            </a:r>
+            <a:r>
+              <a:rPr lang="de-DE" sz="1050" dirty="0">
+                <a:hlinkClick r:id="rId4"/>
+              </a:rPr>
+              <a:t>Santos, C. N. dos, &amp; </a:t>
+            </a:r>
+            <a:r>
+              <a:rPr lang="de-DE" sz="1050" dirty="0" err="1">
+                <a:hlinkClick r:id="rId4"/>
+              </a:rPr>
+              <a:t>Gatti</a:t>
+            </a:r>
+            <a:r>
+              <a:rPr lang="de-DE" sz="1050" dirty="0">
+                <a:hlinkClick r:id="rId4"/>
+              </a:rPr>
+              <a:t>, M. (2014). Deep </a:t>
+            </a:r>
+            <a:r>
+              <a:rPr lang="de-DE" sz="1050" dirty="0" err="1">
+                <a:hlinkClick r:id="rId4"/>
+              </a:rPr>
+              <a:t>Convolutional</a:t>
+            </a:r>
+            <a:r>
+              <a:rPr lang="de-DE" sz="1050" dirty="0">
+                <a:hlinkClick r:id="rId4"/>
+              </a:rPr>
+              <a:t> </a:t>
+            </a:r>
+            <a:r>
+              <a:rPr lang="de-DE" sz="1050" dirty="0" err="1">
+                <a:hlinkClick r:id="rId4"/>
+              </a:rPr>
+              <a:t>Neural</a:t>
+            </a:r>
+            <a:r>
+              <a:rPr lang="de-DE" sz="1050" dirty="0">
+                <a:hlinkClick r:id="rId4"/>
+              </a:rPr>
+              <a:t> Networks </a:t>
+            </a:r>
+            <a:r>
+              <a:rPr lang="de-DE" sz="1050" dirty="0" err="1">
+                <a:hlinkClick r:id="rId4"/>
+              </a:rPr>
+              <a:t>for</a:t>
+            </a:r>
+            <a:r>
+              <a:rPr lang="de-DE" sz="1050" dirty="0">
+                <a:hlinkClick r:id="rId4"/>
+              </a:rPr>
+              <a:t> Sentiment Analysis </a:t>
+            </a:r>
+            <a:r>
+              <a:rPr lang="de-DE" sz="1050" dirty="0" err="1">
+                <a:hlinkClick r:id="rId4"/>
+              </a:rPr>
+              <a:t>of</a:t>
+            </a:r>
+            <a:r>
+              <a:rPr lang="de-DE" sz="1050" dirty="0">
+                <a:hlinkClick r:id="rId4"/>
+              </a:rPr>
+              <a:t> Short Texts. In COLING-2014 (pp. 69–78).</a:t>
+            </a:r>
+            <a:endParaRPr lang="de-DE" sz="1050" dirty="0"/>
+          </a:p>
+          <a:p>
+            <a:r>
+              <a:rPr lang="de-DE" sz="1050" dirty="0"/>
+              <a:t>[4] </a:t>
+            </a:r>
+            <a:r>
+              <a:rPr lang="de-DE" sz="1050" dirty="0">
+                <a:hlinkClick r:id="rId5"/>
+              </a:rPr>
+              <a:t>Johnson, R., &amp; Zhang, T. (2015). </a:t>
+            </a:r>
+            <a:r>
+              <a:rPr lang="de-DE" sz="1050" dirty="0" err="1">
+                <a:hlinkClick r:id="rId5"/>
+              </a:rPr>
+              <a:t>Effective</a:t>
+            </a:r>
+            <a:r>
+              <a:rPr lang="de-DE" sz="1050" dirty="0">
+                <a:hlinkClick r:id="rId5"/>
+              </a:rPr>
+              <a:t> Use </a:t>
+            </a:r>
+            <a:r>
+              <a:rPr lang="de-DE" sz="1050" dirty="0" err="1">
+                <a:hlinkClick r:id="rId5"/>
+              </a:rPr>
+              <a:t>of</a:t>
+            </a:r>
+            <a:r>
+              <a:rPr lang="de-DE" sz="1050" dirty="0">
+                <a:hlinkClick r:id="rId5"/>
+              </a:rPr>
+              <a:t> Word Order </a:t>
+            </a:r>
+            <a:r>
+              <a:rPr lang="de-DE" sz="1050" dirty="0" err="1">
+                <a:hlinkClick r:id="rId5"/>
+              </a:rPr>
+              <a:t>for</a:t>
+            </a:r>
+            <a:r>
+              <a:rPr lang="de-DE" sz="1050" dirty="0">
+                <a:hlinkClick r:id="rId5"/>
+              </a:rPr>
+              <a:t> Text </a:t>
+            </a:r>
+            <a:r>
+              <a:rPr lang="de-DE" sz="1050" dirty="0" err="1">
+                <a:hlinkClick r:id="rId5"/>
+              </a:rPr>
+              <a:t>Categorization</a:t>
+            </a:r>
+            <a:r>
+              <a:rPr lang="de-DE" sz="1050" dirty="0">
+                <a:hlinkClick r:id="rId5"/>
+              </a:rPr>
+              <a:t> </a:t>
+            </a:r>
+            <a:r>
+              <a:rPr lang="de-DE" sz="1050" dirty="0" err="1">
+                <a:hlinkClick r:id="rId5"/>
+              </a:rPr>
+              <a:t>with</a:t>
+            </a:r>
+            <a:r>
+              <a:rPr lang="de-DE" sz="1050" dirty="0">
+                <a:hlinkClick r:id="rId5"/>
+              </a:rPr>
+              <a:t> </a:t>
+            </a:r>
+            <a:r>
+              <a:rPr lang="de-DE" sz="1050" dirty="0" err="1">
+                <a:hlinkClick r:id="rId5"/>
+              </a:rPr>
+              <a:t>Convolutional</a:t>
+            </a:r>
+            <a:r>
+              <a:rPr lang="de-DE" sz="1050" dirty="0">
+                <a:hlinkClick r:id="rId5"/>
+              </a:rPr>
+              <a:t> </a:t>
+            </a:r>
+            <a:r>
+              <a:rPr lang="de-DE" sz="1050" dirty="0" err="1">
+                <a:hlinkClick r:id="rId5"/>
+              </a:rPr>
+              <a:t>Neural</a:t>
+            </a:r>
+            <a:r>
+              <a:rPr lang="de-DE" sz="1050" dirty="0">
+                <a:hlinkClick r:id="rId5"/>
+              </a:rPr>
+              <a:t> Networks. </a:t>
+            </a:r>
+            <a:r>
+              <a:rPr lang="de-DE" sz="1050" dirty="0" err="1">
+                <a:hlinkClick r:id="rId5"/>
+              </a:rPr>
+              <a:t>To</a:t>
+            </a:r>
+            <a:r>
+              <a:rPr lang="de-DE" sz="1050" dirty="0">
+                <a:hlinkClick r:id="rId5"/>
+              </a:rPr>
+              <a:t> </a:t>
+            </a:r>
+            <a:r>
+              <a:rPr lang="de-DE" sz="1050" dirty="0" err="1">
+                <a:hlinkClick r:id="rId5"/>
+              </a:rPr>
+              <a:t>Appear</a:t>
+            </a:r>
+            <a:r>
+              <a:rPr lang="de-DE" sz="1050" dirty="0">
+                <a:hlinkClick r:id="rId5"/>
+              </a:rPr>
+              <a:t>: NAACL-2015, (2011).</a:t>
+            </a:r>
+            <a:endParaRPr lang="de-DE" sz="1050" dirty="0"/>
+          </a:p>
+          <a:p>
+            <a:r>
+              <a:rPr lang="de-DE" sz="1050" dirty="0"/>
+              <a:t>[5] </a:t>
+            </a:r>
+            <a:r>
+              <a:rPr lang="de-DE" sz="1050" dirty="0">
+                <a:hlinkClick r:id="rId6"/>
+              </a:rPr>
+              <a:t>Johnson, R., &amp; Zhang, T. (2015). Semi-</a:t>
+            </a:r>
+            <a:r>
+              <a:rPr lang="de-DE" sz="1050" dirty="0" err="1">
+                <a:hlinkClick r:id="rId6"/>
+              </a:rPr>
+              <a:t>supervised</a:t>
+            </a:r>
+            <a:r>
+              <a:rPr lang="de-DE" sz="1050" dirty="0">
+                <a:hlinkClick r:id="rId6"/>
+              </a:rPr>
+              <a:t> </a:t>
+            </a:r>
+            <a:r>
+              <a:rPr lang="de-DE" sz="1050" dirty="0" err="1">
+                <a:hlinkClick r:id="rId6"/>
+              </a:rPr>
+              <a:t>Convolutional</a:t>
+            </a:r>
+            <a:r>
+              <a:rPr lang="de-DE" sz="1050" dirty="0">
+                <a:hlinkClick r:id="rId6"/>
+              </a:rPr>
+              <a:t> </a:t>
+            </a:r>
+            <a:r>
+              <a:rPr lang="de-DE" sz="1050" dirty="0" err="1">
+                <a:hlinkClick r:id="rId6"/>
+              </a:rPr>
+              <a:t>Neural</a:t>
+            </a:r>
+            <a:r>
+              <a:rPr lang="de-DE" sz="1050" dirty="0">
+                <a:hlinkClick r:id="rId6"/>
+              </a:rPr>
+              <a:t> Networks </a:t>
+            </a:r>
+            <a:r>
+              <a:rPr lang="de-DE" sz="1050" dirty="0" err="1">
+                <a:hlinkClick r:id="rId6"/>
+              </a:rPr>
+              <a:t>for</a:t>
+            </a:r>
+            <a:r>
+              <a:rPr lang="de-DE" sz="1050" dirty="0">
+                <a:hlinkClick r:id="rId6"/>
+              </a:rPr>
+              <a:t> Text </a:t>
+            </a:r>
+            <a:r>
+              <a:rPr lang="de-DE" sz="1050" dirty="0" err="1">
+                <a:hlinkClick r:id="rId6"/>
+              </a:rPr>
+              <a:t>Categorization</a:t>
+            </a:r>
+            <a:r>
+              <a:rPr lang="de-DE" sz="1050" dirty="0">
+                <a:hlinkClick r:id="rId6"/>
+              </a:rPr>
+              <a:t> via Region Embedding.</a:t>
+            </a:r>
+            <a:endParaRPr lang="de-DE" sz="1050" dirty="0"/>
+          </a:p>
+          <a:p>
+            <a:r>
+              <a:rPr lang="de-DE" sz="1050" dirty="0"/>
+              <a:t>[6] </a:t>
+            </a:r>
+            <a:r>
+              <a:rPr lang="de-DE" sz="1050" dirty="0">
+                <a:hlinkClick r:id="rId7"/>
+              </a:rPr>
+              <a:t>Wang, P., </a:t>
+            </a:r>
+            <a:r>
+              <a:rPr lang="de-DE" sz="1050" dirty="0" err="1">
+                <a:hlinkClick r:id="rId7"/>
+              </a:rPr>
+              <a:t>Xu</a:t>
+            </a:r>
+            <a:r>
+              <a:rPr lang="de-DE" sz="1050" dirty="0">
+                <a:hlinkClick r:id="rId7"/>
+              </a:rPr>
+              <a:t>, J., </a:t>
+            </a:r>
+            <a:r>
+              <a:rPr lang="de-DE" sz="1050" dirty="0" err="1">
+                <a:hlinkClick r:id="rId7"/>
+              </a:rPr>
+              <a:t>Xu</a:t>
+            </a:r>
+            <a:r>
+              <a:rPr lang="de-DE" sz="1050" dirty="0">
+                <a:hlinkClick r:id="rId7"/>
+              </a:rPr>
+              <a:t>, B., Liu, C., Zhang, H., Wang, F., &amp; Hao, H. (2015). </a:t>
+            </a:r>
+            <a:r>
+              <a:rPr lang="de-DE" sz="1050" dirty="0" err="1">
+                <a:hlinkClick r:id="rId7"/>
+              </a:rPr>
+              <a:t>Semantic</a:t>
+            </a:r>
+            <a:r>
+              <a:rPr lang="de-DE" sz="1050" dirty="0">
+                <a:hlinkClick r:id="rId7"/>
+              </a:rPr>
+              <a:t> Clustering </a:t>
+            </a:r>
+            <a:r>
+              <a:rPr lang="de-DE" sz="1050" dirty="0" err="1">
+                <a:hlinkClick r:id="rId7"/>
+              </a:rPr>
+              <a:t>and</a:t>
+            </a:r>
+            <a:r>
+              <a:rPr lang="de-DE" sz="1050" dirty="0">
+                <a:hlinkClick r:id="rId7"/>
+              </a:rPr>
+              <a:t> </a:t>
+            </a:r>
+            <a:r>
+              <a:rPr lang="de-DE" sz="1050" dirty="0" err="1">
+                <a:hlinkClick r:id="rId7"/>
+              </a:rPr>
+              <a:t>Convolutional</a:t>
+            </a:r>
+            <a:r>
+              <a:rPr lang="de-DE" sz="1050" dirty="0">
+                <a:hlinkClick r:id="rId7"/>
+              </a:rPr>
+              <a:t> </a:t>
+            </a:r>
+            <a:r>
+              <a:rPr lang="de-DE" sz="1050" dirty="0" err="1">
+                <a:hlinkClick r:id="rId7"/>
+              </a:rPr>
+              <a:t>Neural</a:t>
+            </a:r>
+            <a:r>
+              <a:rPr lang="de-DE" sz="1050" dirty="0">
+                <a:hlinkClick r:id="rId7"/>
+              </a:rPr>
+              <a:t> Network </a:t>
+            </a:r>
+            <a:r>
+              <a:rPr lang="de-DE" sz="1050" dirty="0" err="1">
+                <a:hlinkClick r:id="rId7"/>
+              </a:rPr>
+              <a:t>for</a:t>
+            </a:r>
+            <a:r>
+              <a:rPr lang="de-DE" sz="1050" dirty="0">
+                <a:hlinkClick r:id="rId7"/>
+              </a:rPr>
+              <a:t> Short Text </a:t>
+            </a:r>
+            <a:r>
+              <a:rPr lang="de-DE" sz="1050" dirty="0" err="1">
+                <a:hlinkClick r:id="rId7"/>
+              </a:rPr>
+              <a:t>Categorization</a:t>
+            </a:r>
+            <a:r>
+              <a:rPr lang="de-DE" sz="1050" dirty="0">
+                <a:hlinkClick r:id="rId7"/>
+              </a:rPr>
+              <a:t>. Proceedings ACL 2015, 352–357.</a:t>
+            </a:r>
+            <a:endParaRPr lang="de-DE" sz="1050" dirty="0"/>
+          </a:p>
+          <a:p>
+            <a:r>
+              <a:rPr lang="de-DE" sz="1050" dirty="0"/>
+              <a:t>[7] </a:t>
+            </a:r>
+            <a:r>
+              <a:rPr lang="de-DE" sz="1050" dirty="0">
+                <a:hlinkClick r:id="rId8"/>
+              </a:rPr>
+              <a:t>Zhang, Y., &amp; Wallace, B. (2015). A </a:t>
+            </a:r>
+            <a:r>
+              <a:rPr lang="de-DE" sz="1050" dirty="0" err="1">
+                <a:hlinkClick r:id="rId8"/>
+              </a:rPr>
+              <a:t>Sensitivity</a:t>
+            </a:r>
+            <a:r>
+              <a:rPr lang="de-DE" sz="1050" dirty="0">
+                <a:hlinkClick r:id="rId8"/>
+              </a:rPr>
+              <a:t> Analysis </a:t>
+            </a:r>
+            <a:r>
+              <a:rPr lang="de-DE" sz="1050" dirty="0" err="1">
+                <a:hlinkClick r:id="rId8"/>
+              </a:rPr>
+              <a:t>of</a:t>
+            </a:r>
+            <a:r>
+              <a:rPr lang="de-DE" sz="1050" dirty="0">
+                <a:hlinkClick r:id="rId8"/>
+              </a:rPr>
+              <a:t> (</a:t>
+            </a:r>
+            <a:r>
+              <a:rPr lang="de-DE" sz="1050" dirty="0" err="1">
+                <a:hlinkClick r:id="rId8"/>
+              </a:rPr>
+              <a:t>and</a:t>
+            </a:r>
+            <a:r>
+              <a:rPr lang="de-DE" sz="1050" dirty="0">
+                <a:hlinkClick r:id="rId8"/>
+              </a:rPr>
+              <a:t> </a:t>
+            </a:r>
+            <a:r>
+              <a:rPr lang="de-DE" sz="1050" dirty="0" err="1">
+                <a:hlinkClick r:id="rId8"/>
+              </a:rPr>
+              <a:t>Practitioners</a:t>
+            </a:r>
+            <a:r>
+              <a:rPr lang="de-DE" sz="1050" dirty="0">
+                <a:hlinkClick r:id="rId8"/>
+              </a:rPr>
+              <a:t>’ Guide </a:t>
+            </a:r>
+            <a:r>
+              <a:rPr lang="de-DE" sz="1050" dirty="0" err="1">
+                <a:hlinkClick r:id="rId8"/>
+              </a:rPr>
+              <a:t>to</a:t>
+            </a:r>
+            <a:r>
+              <a:rPr lang="de-DE" sz="1050" dirty="0">
+                <a:hlinkClick r:id="rId8"/>
+              </a:rPr>
+              <a:t>) </a:t>
+            </a:r>
+            <a:r>
+              <a:rPr lang="de-DE" sz="1050" dirty="0" err="1">
+                <a:hlinkClick r:id="rId8"/>
+              </a:rPr>
+              <a:t>Convolutional</a:t>
+            </a:r>
+            <a:r>
+              <a:rPr lang="de-DE" sz="1050" dirty="0">
+                <a:hlinkClick r:id="rId8"/>
+              </a:rPr>
+              <a:t> </a:t>
+            </a:r>
+            <a:r>
+              <a:rPr lang="de-DE" sz="1050" dirty="0" err="1">
+                <a:hlinkClick r:id="rId8"/>
+              </a:rPr>
+              <a:t>Neural</a:t>
+            </a:r>
+            <a:r>
+              <a:rPr lang="de-DE" sz="1050" dirty="0">
+                <a:hlinkClick r:id="rId8"/>
+              </a:rPr>
+              <a:t> Networks </a:t>
+            </a:r>
+            <a:r>
+              <a:rPr lang="de-DE" sz="1050" dirty="0" err="1">
+                <a:hlinkClick r:id="rId8"/>
+              </a:rPr>
+              <a:t>for</a:t>
+            </a:r>
+            <a:r>
+              <a:rPr lang="de-DE" sz="1050" dirty="0">
+                <a:hlinkClick r:id="rId8"/>
+              </a:rPr>
+              <a:t> </a:t>
+            </a:r>
+            <a:r>
+              <a:rPr lang="de-DE" sz="1050" dirty="0" err="1">
+                <a:hlinkClick r:id="rId8"/>
+              </a:rPr>
+              <a:t>Sentence</a:t>
+            </a:r>
+            <a:r>
+              <a:rPr lang="de-DE" sz="1050" dirty="0">
+                <a:hlinkClick r:id="rId8"/>
+              </a:rPr>
+              <a:t> Classification,</a:t>
+            </a:r>
+            <a:endParaRPr lang="de-DE" sz="1050" dirty="0"/>
+          </a:p>
+          <a:p>
+            <a:r>
+              <a:rPr lang="de-DE" sz="1050" dirty="0"/>
+              <a:t>[8] </a:t>
+            </a:r>
+            <a:r>
+              <a:rPr lang="de-DE" sz="1050" dirty="0">
+                <a:hlinkClick r:id="rId9"/>
+              </a:rPr>
+              <a:t>Nguyen, T. H., &amp; </a:t>
+            </a:r>
+            <a:r>
+              <a:rPr lang="de-DE" sz="1050" dirty="0" err="1">
+                <a:hlinkClick r:id="rId9"/>
+              </a:rPr>
+              <a:t>Grishman</a:t>
+            </a:r>
+            <a:r>
+              <a:rPr lang="de-DE" sz="1050" dirty="0">
+                <a:hlinkClick r:id="rId9"/>
+              </a:rPr>
+              <a:t>, R. (2015). Relation </a:t>
+            </a:r>
+            <a:r>
+              <a:rPr lang="de-DE" sz="1050" dirty="0" err="1">
+                <a:hlinkClick r:id="rId9"/>
+              </a:rPr>
+              <a:t>Extraction</a:t>
+            </a:r>
+            <a:r>
+              <a:rPr lang="de-DE" sz="1050" dirty="0">
+                <a:hlinkClick r:id="rId9"/>
+              </a:rPr>
+              <a:t>: </a:t>
+            </a:r>
+            <a:r>
+              <a:rPr lang="de-DE" sz="1050" dirty="0" err="1">
+                <a:hlinkClick r:id="rId9"/>
+              </a:rPr>
+              <a:t>Perspective</a:t>
+            </a:r>
+            <a:r>
+              <a:rPr lang="de-DE" sz="1050" dirty="0">
+                <a:hlinkClick r:id="rId9"/>
+              </a:rPr>
+              <a:t> </a:t>
+            </a:r>
+            <a:r>
+              <a:rPr lang="de-DE" sz="1050" dirty="0" err="1">
+                <a:hlinkClick r:id="rId9"/>
+              </a:rPr>
+              <a:t>from</a:t>
+            </a:r>
+            <a:r>
+              <a:rPr lang="de-DE" sz="1050" dirty="0">
+                <a:hlinkClick r:id="rId9"/>
+              </a:rPr>
+              <a:t> </a:t>
+            </a:r>
+            <a:r>
+              <a:rPr lang="de-DE" sz="1050" dirty="0" err="1">
+                <a:hlinkClick r:id="rId9"/>
+              </a:rPr>
+              <a:t>Convolutional</a:t>
+            </a:r>
+            <a:r>
+              <a:rPr lang="de-DE" sz="1050" dirty="0">
+                <a:hlinkClick r:id="rId9"/>
+              </a:rPr>
+              <a:t> </a:t>
+            </a:r>
+            <a:r>
+              <a:rPr lang="de-DE" sz="1050" dirty="0" err="1">
+                <a:hlinkClick r:id="rId9"/>
+              </a:rPr>
+              <a:t>Neural</a:t>
+            </a:r>
+            <a:r>
+              <a:rPr lang="de-DE" sz="1050" dirty="0">
+                <a:hlinkClick r:id="rId9"/>
+              </a:rPr>
+              <a:t> Networks. Workshop on Vector Modeling </a:t>
+            </a:r>
+            <a:r>
+              <a:rPr lang="de-DE" sz="1050" dirty="0" err="1">
+                <a:hlinkClick r:id="rId9"/>
+              </a:rPr>
+              <a:t>for</a:t>
+            </a:r>
+            <a:r>
+              <a:rPr lang="de-DE" sz="1050" dirty="0">
+                <a:hlinkClick r:id="rId9"/>
+              </a:rPr>
+              <a:t> NLP, 39–48.</a:t>
+            </a:r>
+            <a:endParaRPr lang="de-DE" sz="1050" dirty="0"/>
+          </a:p>
+          <a:p>
+            <a:r>
+              <a:rPr lang="de-DE" sz="1050" dirty="0"/>
+              <a:t>[9] </a:t>
+            </a:r>
+            <a:r>
+              <a:rPr lang="de-DE" sz="1050" dirty="0">
+                <a:hlinkClick r:id="rId10"/>
+              </a:rPr>
+              <a:t>Sun, Y., Lin, L., Tang, D., Yang, N., Ji, Z., &amp; Wang, X. (2015). Modeling Mention , </a:t>
+            </a:r>
+            <a:r>
+              <a:rPr lang="de-DE" sz="1050" dirty="0" err="1">
+                <a:hlinkClick r:id="rId10"/>
+              </a:rPr>
+              <a:t>Context</a:t>
+            </a:r>
+            <a:r>
+              <a:rPr lang="de-DE" sz="1050" dirty="0">
+                <a:hlinkClick r:id="rId10"/>
+              </a:rPr>
+              <a:t> </a:t>
+            </a:r>
+            <a:r>
+              <a:rPr lang="de-DE" sz="1050" dirty="0" err="1">
+                <a:hlinkClick r:id="rId10"/>
+              </a:rPr>
+              <a:t>and</a:t>
+            </a:r>
+            <a:r>
+              <a:rPr lang="de-DE" sz="1050" dirty="0">
+                <a:hlinkClick r:id="rId10"/>
+              </a:rPr>
+              <a:t> Entity </a:t>
+            </a:r>
+            <a:r>
+              <a:rPr lang="de-DE" sz="1050" dirty="0" err="1">
+                <a:hlinkClick r:id="rId10"/>
+              </a:rPr>
+              <a:t>with</a:t>
+            </a:r>
+            <a:r>
+              <a:rPr lang="de-DE" sz="1050" dirty="0">
+                <a:hlinkClick r:id="rId10"/>
+              </a:rPr>
+              <a:t> </a:t>
+            </a:r>
+            <a:r>
+              <a:rPr lang="de-DE" sz="1050" dirty="0" err="1">
+                <a:hlinkClick r:id="rId10"/>
+              </a:rPr>
+              <a:t>Neural</a:t>
+            </a:r>
+            <a:r>
+              <a:rPr lang="de-DE" sz="1050" dirty="0">
+                <a:hlinkClick r:id="rId10"/>
+              </a:rPr>
+              <a:t> Networks </a:t>
+            </a:r>
+            <a:r>
+              <a:rPr lang="de-DE" sz="1050" dirty="0" err="1">
+                <a:hlinkClick r:id="rId10"/>
+              </a:rPr>
+              <a:t>for</a:t>
+            </a:r>
+            <a:r>
+              <a:rPr lang="de-DE" sz="1050" dirty="0">
+                <a:hlinkClick r:id="rId10"/>
+              </a:rPr>
+              <a:t> Entity </a:t>
+            </a:r>
+            <a:r>
+              <a:rPr lang="de-DE" sz="1050" dirty="0" err="1">
+                <a:hlinkClick r:id="rId10"/>
+              </a:rPr>
+              <a:t>Disambiguation</a:t>
+            </a:r>
+            <a:r>
+              <a:rPr lang="de-DE" sz="1050" dirty="0">
+                <a:hlinkClick r:id="rId10"/>
+              </a:rPr>
+              <a:t>, (</a:t>
+            </a:r>
+            <a:r>
+              <a:rPr lang="de-DE" sz="1050" dirty="0" err="1">
+                <a:hlinkClick r:id="rId10"/>
+              </a:rPr>
+              <a:t>Ijcai</a:t>
+            </a:r>
+            <a:r>
+              <a:rPr lang="de-DE" sz="1050" dirty="0">
+                <a:hlinkClick r:id="rId10"/>
+              </a:rPr>
+              <a:t>), 1333–1339.</a:t>
+            </a:r>
+            <a:endParaRPr lang="de-DE" sz="1050" dirty="0"/>
+          </a:p>
+          <a:p>
+            <a:pPr marL="0" indent="0">
+              <a:buNone/>
+            </a:pPr>
+            <a:endParaRPr lang="de-DE" sz="1050" dirty="0"/>
           </a:p>
         </p:txBody>
       </p:sp>
     </p:spTree>
     <p:extLst>
       <p:ext uri="{BB962C8B-B14F-4D97-AF65-F5344CB8AC3E}">
-        <p14:creationId xmlns:p14="http://schemas.microsoft.com/office/powerpoint/2010/main" val="1558654634"/>
+        <p14:creationId xmlns:p14="http://schemas.microsoft.com/office/powerpoint/2010/main" val="1097632464"/>
       </p:ext>
     </p:extLst>
   </p:cSld>
@@ -16147,6 +17129,13 @@
       </p:transition>
     </mc:Fallback>
   </mc:AlternateContent>
+  <p:timing>
+    <p:tnLst>
+      <p:par>
+        <p:cTn id="1" dur="indefinite" restart="never" nodeType="tmRoot"/>
+      </p:par>
+    </p:tnLst>
+  </p:timing>
 </p:sld>
 </file>
 
@@ -16208,997 +17197,6 @@
           <a:p>
             <a:r>
               <a:rPr lang="de-DE" sz="1050" dirty="0"/>
-              <a:t>[1] </a:t>
-            </a:r>
-            <a:r>
-              <a:rPr lang="de-DE" sz="1050" dirty="0">
-                <a:hlinkClick r:id="rId2"/>
-              </a:rPr>
-              <a:t>Kim, Y. (2014). </a:t>
-            </a:r>
-            <a:r>
-              <a:rPr lang="de-DE" sz="1050" dirty="0" err="1">
-                <a:hlinkClick r:id="rId2"/>
-              </a:rPr>
-              <a:t>Convolutional</a:t>
-            </a:r>
-            <a:r>
-              <a:rPr lang="de-DE" sz="1050" dirty="0">
-                <a:hlinkClick r:id="rId2"/>
-              </a:rPr>
-              <a:t> </a:t>
-            </a:r>
-            <a:r>
-              <a:rPr lang="de-DE" sz="1050" dirty="0" err="1">
-                <a:hlinkClick r:id="rId2"/>
-              </a:rPr>
-              <a:t>Neural</a:t>
-            </a:r>
-            <a:r>
-              <a:rPr lang="de-DE" sz="1050" dirty="0">
-                <a:hlinkClick r:id="rId2"/>
-              </a:rPr>
-              <a:t> Networks </a:t>
-            </a:r>
-            <a:r>
-              <a:rPr lang="de-DE" sz="1050" dirty="0" err="1">
-                <a:hlinkClick r:id="rId2"/>
-              </a:rPr>
-              <a:t>for</a:t>
-            </a:r>
-            <a:r>
-              <a:rPr lang="de-DE" sz="1050" dirty="0">
-                <a:hlinkClick r:id="rId2"/>
-              </a:rPr>
-              <a:t> </a:t>
-            </a:r>
-            <a:r>
-              <a:rPr lang="de-DE" sz="1050" dirty="0" err="1">
-                <a:hlinkClick r:id="rId2"/>
-              </a:rPr>
-              <a:t>Sentence</a:t>
-            </a:r>
-            <a:r>
-              <a:rPr lang="de-DE" sz="1050" dirty="0">
-                <a:hlinkClick r:id="rId2"/>
-              </a:rPr>
-              <a:t> Classification. Proceedings </a:t>
-            </a:r>
-            <a:r>
-              <a:rPr lang="de-DE" sz="1050" dirty="0" err="1">
-                <a:hlinkClick r:id="rId2"/>
-              </a:rPr>
-              <a:t>of</a:t>
-            </a:r>
-            <a:r>
-              <a:rPr lang="de-DE" sz="1050" dirty="0">
-                <a:hlinkClick r:id="rId2"/>
-              </a:rPr>
-              <a:t> </a:t>
-            </a:r>
-            <a:r>
-              <a:rPr lang="de-DE" sz="1050" dirty="0" err="1">
-                <a:hlinkClick r:id="rId2"/>
-              </a:rPr>
-              <a:t>the</a:t>
-            </a:r>
-            <a:r>
-              <a:rPr lang="de-DE" sz="1050" dirty="0">
-                <a:hlinkClick r:id="rId2"/>
-              </a:rPr>
-              <a:t> 2014 Conference on </a:t>
-            </a:r>
-            <a:r>
-              <a:rPr lang="de-DE" sz="1050" dirty="0" err="1">
-                <a:hlinkClick r:id="rId2"/>
-              </a:rPr>
-              <a:t>Empirical</a:t>
-            </a:r>
-            <a:r>
-              <a:rPr lang="de-DE" sz="1050" dirty="0">
-                <a:hlinkClick r:id="rId2"/>
-              </a:rPr>
-              <a:t> Methods in Natural Language Processing (EMNLP 2014), 1746–1751.</a:t>
-            </a:r>
-            <a:endParaRPr lang="de-DE" sz="1050" dirty="0"/>
-          </a:p>
-          <a:p>
-            <a:r>
-              <a:rPr lang="de-DE" sz="1050" dirty="0"/>
-              <a:t>[2] </a:t>
-            </a:r>
-            <a:r>
-              <a:rPr lang="de-DE" sz="1050" dirty="0" err="1">
-                <a:hlinkClick r:id="rId3"/>
-              </a:rPr>
-              <a:t>Kalchbrenner</a:t>
-            </a:r>
-            <a:r>
-              <a:rPr lang="de-DE" sz="1050" dirty="0">
-                <a:hlinkClick r:id="rId3"/>
-              </a:rPr>
-              <a:t>, N., </a:t>
-            </a:r>
-            <a:r>
-              <a:rPr lang="de-DE" sz="1050" dirty="0" err="1">
-                <a:hlinkClick r:id="rId3"/>
-              </a:rPr>
-              <a:t>Grefenstette</a:t>
-            </a:r>
-            <a:r>
-              <a:rPr lang="de-DE" sz="1050" dirty="0">
-                <a:hlinkClick r:id="rId3"/>
-              </a:rPr>
-              <a:t>, E., &amp; </a:t>
-            </a:r>
-            <a:r>
-              <a:rPr lang="de-DE" sz="1050" dirty="0" err="1">
-                <a:hlinkClick r:id="rId3"/>
-              </a:rPr>
-              <a:t>Blunsom</a:t>
-            </a:r>
-            <a:r>
-              <a:rPr lang="de-DE" sz="1050" dirty="0">
-                <a:hlinkClick r:id="rId3"/>
-              </a:rPr>
-              <a:t>, P. (2014). A </a:t>
-            </a:r>
-            <a:r>
-              <a:rPr lang="de-DE" sz="1050" dirty="0" err="1">
-                <a:hlinkClick r:id="rId3"/>
-              </a:rPr>
-              <a:t>Convolutional</a:t>
-            </a:r>
-            <a:r>
-              <a:rPr lang="de-DE" sz="1050" dirty="0">
-                <a:hlinkClick r:id="rId3"/>
-              </a:rPr>
-              <a:t> </a:t>
-            </a:r>
-            <a:r>
-              <a:rPr lang="de-DE" sz="1050" dirty="0" err="1">
-                <a:hlinkClick r:id="rId3"/>
-              </a:rPr>
-              <a:t>Neural</a:t>
-            </a:r>
-            <a:r>
-              <a:rPr lang="de-DE" sz="1050" dirty="0">
-                <a:hlinkClick r:id="rId3"/>
-              </a:rPr>
-              <a:t> Network </a:t>
-            </a:r>
-            <a:r>
-              <a:rPr lang="de-DE" sz="1050" dirty="0" err="1">
-                <a:hlinkClick r:id="rId3"/>
-              </a:rPr>
-              <a:t>for</a:t>
-            </a:r>
-            <a:r>
-              <a:rPr lang="de-DE" sz="1050" dirty="0">
-                <a:hlinkClick r:id="rId3"/>
-              </a:rPr>
-              <a:t> </a:t>
-            </a:r>
-            <a:r>
-              <a:rPr lang="de-DE" sz="1050" dirty="0" err="1">
-                <a:hlinkClick r:id="rId3"/>
-              </a:rPr>
-              <a:t>Modelling</a:t>
-            </a:r>
-            <a:r>
-              <a:rPr lang="de-DE" sz="1050" dirty="0">
-                <a:hlinkClick r:id="rId3"/>
-              </a:rPr>
-              <a:t> </a:t>
-            </a:r>
-            <a:r>
-              <a:rPr lang="de-DE" sz="1050" dirty="0" err="1">
-                <a:hlinkClick r:id="rId3"/>
-              </a:rPr>
-              <a:t>Sentences</a:t>
-            </a:r>
-            <a:r>
-              <a:rPr lang="de-DE" sz="1050" dirty="0">
-                <a:hlinkClick r:id="rId3"/>
-              </a:rPr>
-              <a:t>. </a:t>
-            </a:r>
-            <a:r>
-              <a:rPr lang="de-DE" sz="1050" dirty="0" err="1">
-                <a:hlinkClick r:id="rId3"/>
-              </a:rPr>
-              <a:t>Acl</a:t>
-            </a:r>
-            <a:r>
-              <a:rPr lang="de-DE" sz="1050" dirty="0">
-                <a:hlinkClick r:id="rId3"/>
-              </a:rPr>
-              <a:t>, 655–665.</a:t>
-            </a:r>
-            <a:endParaRPr lang="de-DE" sz="1050" dirty="0"/>
-          </a:p>
-          <a:p>
-            <a:r>
-              <a:rPr lang="de-DE" sz="1050" dirty="0"/>
-              <a:t>[3] </a:t>
-            </a:r>
-            <a:r>
-              <a:rPr lang="de-DE" sz="1050" dirty="0">
-                <a:hlinkClick r:id="rId4"/>
-              </a:rPr>
-              <a:t>Santos, C. N. dos, &amp; </a:t>
-            </a:r>
-            <a:r>
-              <a:rPr lang="de-DE" sz="1050" dirty="0" err="1">
-                <a:hlinkClick r:id="rId4"/>
-              </a:rPr>
-              <a:t>Gatti</a:t>
-            </a:r>
-            <a:r>
-              <a:rPr lang="de-DE" sz="1050" dirty="0">
-                <a:hlinkClick r:id="rId4"/>
-              </a:rPr>
-              <a:t>, M. (2014). Deep </a:t>
-            </a:r>
-            <a:r>
-              <a:rPr lang="de-DE" sz="1050" dirty="0" err="1">
-                <a:hlinkClick r:id="rId4"/>
-              </a:rPr>
-              <a:t>Convolutional</a:t>
-            </a:r>
-            <a:r>
-              <a:rPr lang="de-DE" sz="1050" dirty="0">
-                <a:hlinkClick r:id="rId4"/>
-              </a:rPr>
-              <a:t> </a:t>
-            </a:r>
-            <a:r>
-              <a:rPr lang="de-DE" sz="1050" dirty="0" err="1">
-                <a:hlinkClick r:id="rId4"/>
-              </a:rPr>
-              <a:t>Neural</a:t>
-            </a:r>
-            <a:r>
-              <a:rPr lang="de-DE" sz="1050" dirty="0">
-                <a:hlinkClick r:id="rId4"/>
-              </a:rPr>
-              <a:t> Networks </a:t>
-            </a:r>
-            <a:r>
-              <a:rPr lang="de-DE" sz="1050" dirty="0" err="1">
-                <a:hlinkClick r:id="rId4"/>
-              </a:rPr>
-              <a:t>for</a:t>
-            </a:r>
-            <a:r>
-              <a:rPr lang="de-DE" sz="1050" dirty="0">
-                <a:hlinkClick r:id="rId4"/>
-              </a:rPr>
-              <a:t> Sentiment Analysis </a:t>
-            </a:r>
-            <a:r>
-              <a:rPr lang="de-DE" sz="1050" dirty="0" err="1">
-                <a:hlinkClick r:id="rId4"/>
-              </a:rPr>
-              <a:t>of</a:t>
-            </a:r>
-            <a:r>
-              <a:rPr lang="de-DE" sz="1050" dirty="0">
-                <a:hlinkClick r:id="rId4"/>
-              </a:rPr>
-              <a:t> Short Texts. In COLING-2014 (pp. 69–78).</a:t>
-            </a:r>
-            <a:endParaRPr lang="de-DE" sz="1050" dirty="0"/>
-          </a:p>
-          <a:p>
-            <a:r>
-              <a:rPr lang="de-DE" sz="1050" dirty="0"/>
-              <a:t>[4] </a:t>
-            </a:r>
-            <a:r>
-              <a:rPr lang="de-DE" sz="1050" dirty="0">
-                <a:hlinkClick r:id="rId5"/>
-              </a:rPr>
-              <a:t>Johnson, R., &amp; Zhang, T. (2015). </a:t>
-            </a:r>
-            <a:r>
-              <a:rPr lang="de-DE" sz="1050" dirty="0" err="1">
-                <a:hlinkClick r:id="rId5"/>
-              </a:rPr>
-              <a:t>Effective</a:t>
-            </a:r>
-            <a:r>
-              <a:rPr lang="de-DE" sz="1050" dirty="0">
-                <a:hlinkClick r:id="rId5"/>
-              </a:rPr>
-              <a:t> Use </a:t>
-            </a:r>
-            <a:r>
-              <a:rPr lang="de-DE" sz="1050" dirty="0" err="1">
-                <a:hlinkClick r:id="rId5"/>
-              </a:rPr>
-              <a:t>of</a:t>
-            </a:r>
-            <a:r>
-              <a:rPr lang="de-DE" sz="1050" dirty="0">
-                <a:hlinkClick r:id="rId5"/>
-              </a:rPr>
-              <a:t> Word Order </a:t>
-            </a:r>
-            <a:r>
-              <a:rPr lang="de-DE" sz="1050" dirty="0" err="1">
-                <a:hlinkClick r:id="rId5"/>
-              </a:rPr>
-              <a:t>for</a:t>
-            </a:r>
-            <a:r>
-              <a:rPr lang="de-DE" sz="1050" dirty="0">
-                <a:hlinkClick r:id="rId5"/>
-              </a:rPr>
-              <a:t> Text </a:t>
-            </a:r>
-            <a:r>
-              <a:rPr lang="de-DE" sz="1050" dirty="0" err="1">
-                <a:hlinkClick r:id="rId5"/>
-              </a:rPr>
-              <a:t>Categorization</a:t>
-            </a:r>
-            <a:r>
-              <a:rPr lang="de-DE" sz="1050" dirty="0">
-                <a:hlinkClick r:id="rId5"/>
-              </a:rPr>
-              <a:t> </a:t>
-            </a:r>
-            <a:r>
-              <a:rPr lang="de-DE" sz="1050" dirty="0" err="1">
-                <a:hlinkClick r:id="rId5"/>
-              </a:rPr>
-              <a:t>with</a:t>
-            </a:r>
-            <a:r>
-              <a:rPr lang="de-DE" sz="1050" dirty="0">
-                <a:hlinkClick r:id="rId5"/>
-              </a:rPr>
-              <a:t> </a:t>
-            </a:r>
-            <a:r>
-              <a:rPr lang="de-DE" sz="1050" dirty="0" err="1">
-                <a:hlinkClick r:id="rId5"/>
-              </a:rPr>
-              <a:t>Convolutional</a:t>
-            </a:r>
-            <a:r>
-              <a:rPr lang="de-DE" sz="1050" dirty="0">
-                <a:hlinkClick r:id="rId5"/>
-              </a:rPr>
-              <a:t> </a:t>
-            </a:r>
-            <a:r>
-              <a:rPr lang="de-DE" sz="1050" dirty="0" err="1">
-                <a:hlinkClick r:id="rId5"/>
-              </a:rPr>
-              <a:t>Neural</a:t>
-            </a:r>
-            <a:r>
-              <a:rPr lang="de-DE" sz="1050" dirty="0">
-                <a:hlinkClick r:id="rId5"/>
-              </a:rPr>
-              <a:t> Networks. </a:t>
-            </a:r>
-            <a:r>
-              <a:rPr lang="de-DE" sz="1050" dirty="0" err="1">
-                <a:hlinkClick r:id="rId5"/>
-              </a:rPr>
-              <a:t>To</a:t>
-            </a:r>
-            <a:r>
-              <a:rPr lang="de-DE" sz="1050" dirty="0">
-                <a:hlinkClick r:id="rId5"/>
-              </a:rPr>
-              <a:t> </a:t>
-            </a:r>
-            <a:r>
-              <a:rPr lang="de-DE" sz="1050" dirty="0" err="1">
-                <a:hlinkClick r:id="rId5"/>
-              </a:rPr>
-              <a:t>Appear</a:t>
-            </a:r>
-            <a:r>
-              <a:rPr lang="de-DE" sz="1050" dirty="0">
-                <a:hlinkClick r:id="rId5"/>
-              </a:rPr>
-              <a:t>: NAACL-2015, (2011).</a:t>
-            </a:r>
-            <a:endParaRPr lang="de-DE" sz="1050" dirty="0"/>
-          </a:p>
-          <a:p>
-            <a:r>
-              <a:rPr lang="de-DE" sz="1050" dirty="0"/>
-              <a:t>[5] </a:t>
-            </a:r>
-            <a:r>
-              <a:rPr lang="de-DE" sz="1050" dirty="0">
-                <a:hlinkClick r:id="rId6"/>
-              </a:rPr>
-              <a:t>Johnson, R., &amp; Zhang, T. (2015). Semi-</a:t>
-            </a:r>
-            <a:r>
-              <a:rPr lang="de-DE" sz="1050" dirty="0" err="1">
-                <a:hlinkClick r:id="rId6"/>
-              </a:rPr>
-              <a:t>supervised</a:t>
-            </a:r>
-            <a:r>
-              <a:rPr lang="de-DE" sz="1050" dirty="0">
-                <a:hlinkClick r:id="rId6"/>
-              </a:rPr>
-              <a:t> </a:t>
-            </a:r>
-            <a:r>
-              <a:rPr lang="de-DE" sz="1050" dirty="0" err="1">
-                <a:hlinkClick r:id="rId6"/>
-              </a:rPr>
-              <a:t>Convolutional</a:t>
-            </a:r>
-            <a:r>
-              <a:rPr lang="de-DE" sz="1050" dirty="0">
-                <a:hlinkClick r:id="rId6"/>
-              </a:rPr>
-              <a:t> </a:t>
-            </a:r>
-            <a:r>
-              <a:rPr lang="de-DE" sz="1050" dirty="0" err="1">
-                <a:hlinkClick r:id="rId6"/>
-              </a:rPr>
-              <a:t>Neural</a:t>
-            </a:r>
-            <a:r>
-              <a:rPr lang="de-DE" sz="1050" dirty="0">
-                <a:hlinkClick r:id="rId6"/>
-              </a:rPr>
-              <a:t> Networks </a:t>
-            </a:r>
-            <a:r>
-              <a:rPr lang="de-DE" sz="1050" dirty="0" err="1">
-                <a:hlinkClick r:id="rId6"/>
-              </a:rPr>
-              <a:t>for</a:t>
-            </a:r>
-            <a:r>
-              <a:rPr lang="de-DE" sz="1050" dirty="0">
-                <a:hlinkClick r:id="rId6"/>
-              </a:rPr>
-              <a:t> Text </a:t>
-            </a:r>
-            <a:r>
-              <a:rPr lang="de-DE" sz="1050" dirty="0" err="1">
-                <a:hlinkClick r:id="rId6"/>
-              </a:rPr>
-              <a:t>Categorization</a:t>
-            </a:r>
-            <a:r>
-              <a:rPr lang="de-DE" sz="1050" dirty="0">
-                <a:hlinkClick r:id="rId6"/>
-              </a:rPr>
-              <a:t> via Region Embedding.</a:t>
-            </a:r>
-            <a:endParaRPr lang="de-DE" sz="1050" dirty="0"/>
-          </a:p>
-          <a:p>
-            <a:r>
-              <a:rPr lang="de-DE" sz="1050" dirty="0"/>
-              <a:t>[6] </a:t>
-            </a:r>
-            <a:r>
-              <a:rPr lang="de-DE" sz="1050" dirty="0">
-                <a:hlinkClick r:id="rId7"/>
-              </a:rPr>
-              <a:t>Wang, P., </a:t>
-            </a:r>
-            <a:r>
-              <a:rPr lang="de-DE" sz="1050" dirty="0" err="1">
-                <a:hlinkClick r:id="rId7"/>
-              </a:rPr>
-              <a:t>Xu</a:t>
-            </a:r>
-            <a:r>
-              <a:rPr lang="de-DE" sz="1050" dirty="0">
-                <a:hlinkClick r:id="rId7"/>
-              </a:rPr>
-              <a:t>, J., </a:t>
-            </a:r>
-            <a:r>
-              <a:rPr lang="de-DE" sz="1050" dirty="0" err="1">
-                <a:hlinkClick r:id="rId7"/>
-              </a:rPr>
-              <a:t>Xu</a:t>
-            </a:r>
-            <a:r>
-              <a:rPr lang="de-DE" sz="1050" dirty="0">
-                <a:hlinkClick r:id="rId7"/>
-              </a:rPr>
-              <a:t>, B., Liu, C., Zhang, H., Wang, F., &amp; Hao, H. (2015). </a:t>
-            </a:r>
-            <a:r>
-              <a:rPr lang="de-DE" sz="1050" dirty="0" err="1">
-                <a:hlinkClick r:id="rId7"/>
-              </a:rPr>
-              <a:t>Semantic</a:t>
-            </a:r>
-            <a:r>
-              <a:rPr lang="de-DE" sz="1050" dirty="0">
-                <a:hlinkClick r:id="rId7"/>
-              </a:rPr>
-              <a:t> Clustering </a:t>
-            </a:r>
-            <a:r>
-              <a:rPr lang="de-DE" sz="1050" dirty="0" err="1">
-                <a:hlinkClick r:id="rId7"/>
-              </a:rPr>
-              <a:t>and</a:t>
-            </a:r>
-            <a:r>
-              <a:rPr lang="de-DE" sz="1050" dirty="0">
-                <a:hlinkClick r:id="rId7"/>
-              </a:rPr>
-              <a:t> </a:t>
-            </a:r>
-            <a:r>
-              <a:rPr lang="de-DE" sz="1050" dirty="0" err="1">
-                <a:hlinkClick r:id="rId7"/>
-              </a:rPr>
-              <a:t>Convolutional</a:t>
-            </a:r>
-            <a:r>
-              <a:rPr lang="de-DE" sz="1050" dirty="0">
-                <a:hlinkClick r:id="rId7"/>
-              </a:rPr>
-              <a:t> </a:t>
-            </a:r>
-            <a:r>
-              <a:rPr lang="de-DE" sz="1050" dirty="0" err="1">
-                <a:hlinkClick r:id="rId7"/>
-              </a:rPr>
-              <a:t>Neural</a:t>
-            </a:r>
-            <a:r>
-              <a:rPr lang="de-DE" sz="1050" dirty="0">
-                <a:hlinkClick r:id="rId7"/>
-              </a:rPr>
-              <a:t> Network </a:t>
-            </a:r>
-            <a:r>
-              <a:rPr lang="de-DE" sz="1050" dirty="0" err="1">
-                <a:hlinkClick r:id="rId7"/>
-              </a:rPr>
-              <a:t>for</a:t>
-            </a:r>
-            <a:r>
-              <a:rPr lang="de-DE" sz="1050" dirty="0">
-                <a:hlinkClick r:id="rId7"/>
-              </a:rPr>
-              <a:t> Short Text </a:t>
-            </a:r>
-            <a:r>
-              <a:rPr lang="de-DE" sz="1050" dirty="0" err="1">
-                <a:hlinkClick r:id="rId7"/>
-              </a:rPr>
-              <a:t>Categorization</a:t>
-            </a:r>
-            <a:r>
-              <a:rPr lang="de-DE" sz="1050" dirty="0">
-                <a:hlinkClick r:id="rId7"/>
-              </a:rPr>
-              <a:t>. Proceedings ACL 2015, 352–357.</a:t>
-            </a:r>
-            <a:endParaRPr lang="de-DE" sz="1050" dirty="0"/>
-          </a:p>
-          <a:p>
-            <a:r>
-              <a:rPr lang="de-DE" sz="1050" dirty="0"/>
-              <a:t>[7] </a:t>
-            </a:r>
-            <a:r>
-              <a:rPr lang="de-DE" sz="1050" dirty="0">
-                <a:hlinkClick r:id="rId8"/>
-              </a:rPr>
-              <a:t>Zhang, Y., &amp; Wallace, B. (2015). A </a:t>
-            </a:r>
-            <a:r>
-              <a:rPr lang="de-DE" sz="1050" dirty="0" err="1">
-                <a:hlinkClick r:id="rId8"/>
-              </a:rPr>
-              <a:t>Sensitivity</a:t>
-            </a:r>
-            <a:r>
-              <a:rPr lang="de-DE" sz="1050" dirty="0">
-                <a:hlinkClick r:id="rId8"/>
-              </a:rPr>
-              <a:t> Analysis </a:t>
-            </a:r>
-            <a:r>
-              <a:rPr lang="de-DE" sz="1050" dirty="0" err="1">
-                <a:hlinkClick r:id="rId8"/>
-              </a:rPr>
-              <a:t>of</a:t>
-            </a:r>
-            <a:r>
-              <a:rPr lang="de-DE" sz="1050" dirty="0">
-                <a:hlinkClick r:id="rId8"/>
-              </a:rPr>
-              <a:t> (</a:t>
-            </a:r>
-            <a:r>
-              <a:rPr lang="de-DE" sz="1050" dirty="0" err="1">
-                <a:hlinkClick r:id="rId8"/>
-              </a:rPr>
-              <a:t>and</a:t>
-            </a:r>
-            <a:r>
-              <a:rPr lang="de-DE" sz="1050" dirty="0">
-                <a:hlinkClick r:id="rId8"/>
-              </a:rPr>
-              <a:t> </a:t>
-            </a:r>
-            <a:r>
-              <a:rPr lang="de-DE" sz="1050" dirty="0" err="1">
-                <a:hlinkClick r:id="rId8"/>
-              </a:rPr>
-              <a:t>Practitioners</a:t>
-            </a:r>
-            <a:r>
-              <a:rPr lang="de-DE" sz="1050" dirty="0">
-                <a:hlinkClick r:id="rId8"/>
-              </a:rPr>
-              <a:t>’ Guide </a:t>
-            </a:r>
-            <a:r>
-              <a:rPr lang="de-DE" sz="1050" dirty="0" err="1">
-                <a:hlinkClick r:id="rId8"/>
-              </a:rPr>
-              <a:t>to</a:t>
-            </a:r>
-            <a:r>
-              <a:rPr lang="de-DE" sz="1050" dirty="0">
-                <a:hlinkClick r:id="rId8"/>
-              </a:rPr>
-              <a:t>) </a:t>
-            </a:r>
-            <a:r>
-              <a:rPr lang="de-DE" sz="1050" dirty="0" err="1">
-                <a:hlinkClick r:id="rId8"/>
-              </a:rPr>
-              <a:t>Convolutional</a:t>
-            </a:r>
-            <a:r>
-              <a:rPr lang="de-DE" sz="1050" dirty="0">
-                <a:hlinkClick r:id="rId8"/>
-              </a:rPr>
-              <a:t> </a:t>
-            </a:r>
-            <a:r>
-              <a:rPr lang="de-DE" sz="1050" dirty="0" err="1">
-                <a:hlinkClick r:id="rId8"/>
-              </a:rPr>
-              <a:t>Neural</a:t>
-            </a:r>
-            <a:r>
-              <a:rPr lang="de-DE" sz="1050" dirty="0">
-                <a:hlinkClick r:id="rId8"/>
-              </a:rPr>
-              <a:t> Networks </a:t>
-            </a:r>
-            <a:r>
-              <a:rPr lang="de-DE" sz="1050" dirty="0" err="1">
-                <a:hlinkClick r:id="rId8"/>
-              </a:rPr>
-              <a:t>for</a:t>
-            </a:r>
-            <a:r>
-              <a:rPr lang="de-DE" sz="1050" dirty="0">
-                <a:hlinkClick r:id="rId8"/>
-              </a:rPr>
-              <a:t> </a:t>
-            </a:r>
-            <a:r>
-              <a:rPr lang="de-DE" sz="1050" dirty="0" err="1">
-                <a:hlinkClick r:id="rId8"/>
-              </a:rPr>
-              <a:t>Sentence</a:t>
-            </a:r>
-            <a:r>
-              <a:rPr lang="de-DE" sz="1050" dirty="0">
-                <a:hlinkClick r:id="rId8"/>
-              </a:rPr>
-              <a:t> Classification,</a:t>
-            </a:r>
-            <a:endParaRPr lang="de-DE" sz="1050" dirty="0"/>
-          </a:p>
-          <a:p>
-            <a:r>
-              <a:rPr lang="de-DE" sz="1050" dirty="0"/>
-              <a:t>[8] </a:t>
-            </a:r>
-            <a:r>
-              <a:rPr lang="de-DE" sz="1050" dirty="0">
-                <a:hlinkClick r:id="rId9"/>
-              </a:rPr>
-              <a:t>Nguyen, T. H., &amp; </a:t>
-            </a:r>
-            <a:r>
-              <a:rPr lang="de-DE" sz="1050" dirty="0" err="1">
-                <a:hlinkClick r:id="rId9"/>
-              </a:rPr>
-              <a:t>Grishman</a:t>
-            </a:r>
-            <a:r>
-              <a:rPr lang="de-DE" sz="1050" dirty="0">
-                <a:hlinkClick r:id="rId9"/>
-              </a:rPr>
-              <a:t>, R. (2015). Relation </a:t>
-            </a:r>
-            <a:r>
-              <a:rPr lang="de-DE" sz="1050" dirty="0" err="1">
-                <a:hlinkClick r:id="rId9"/>
-              </a:rPr>
-              <a:t>Extraction</a:t>
-            </a:r>
-            <a:r>
-              <a:rPr lang="de-DE" sz="1050" dirty="0">
-                <a:hlinkClick r:id="rId9"/>
-              </a:rPr>
-              <a:t>: </a:t>
-            </a:r>
-            <a:r>
-              <a:rPr lang="de-DE" sz="1050" dirty="0" err="1">
-                <a:hlinkClick r:id="rId9"/>
-              </a:rPr>
-              <a:t>Perspective</a:t>
-            </a:r>
-            <a:r>
-              <a:rPr lang="de-DE" sz="1050" dirty="0">
-                <a:hlinkClick r:id="rId9"/>
-              </a:rPr>
-              <a:t> </a:t>
-            </a:r>
-            <a:r>
-              <a:rPr lang="de-DE" sz="1050" dirty="0" err="1">
-                <a:hlinkClick r:id="rId9"/>
-              </a:rPr>
-              <a:t>from</a:t>
-            </a:r>
-            <a:r>
-              <a:rPr lang="de-DE" sz="1050" dirty="0">
-                <a:hlinkClick r:id="rId9"/>
-              </a:rPr>
-              <a:t> </a:t>
-            </a:r>
-            <a:r>
-              <a:rPr lang="de-DE" sz="1050" dirty="0" err="1">
-                <a:hlinkClick r:id="rId9"/>
-              </a:rPr>
-              <a:t>Convolutional</a:t>
-            </a:r>
-            <a:r>
-              <a:rPr lang="de-DE" sz="1050" dirty="0">
-                <a:hlinkClick r:id="rId9"/>
-              </a:rPr>
-              <a:t> </a:t>
-            </a:r>
-            <a:r>
-              <a:rPr lang="de-DE" sz="1050" dirty="0" err="1">
-                <a:hlinkClick r:id="rId9"/>
-              </a:rPr>
-              <a:t>Neural</a:t>
-            </a:r>
-            <a:r>
-              <a:rPr lang="de-DE" sz="1050" dirty="0">
-                <a:hlinkClick r:id="rId9"/>
-              </a:rPr>
-              <a:t> Networks. Workshop on Vector Modeling </a:t>
-            </a:r>
-            <a:r>
-              <a:rPr lang="de-DE" sz="1050" dirty="0" err="1">
-                <a:hlinkClick r:id="rId9"/>
-              </a:rPr>
-              <a:t>for</a:t>
-            </a:r>
-            <a:r>
-              <a:rPr lang="de-DE" sz="1050" dirty="0">
-                <a:hlinkClick r:id="rId9"/>
-              </a:rPr>
-              <a:t> NLP, 39–48.</a:t>
-            </a:r>
-            <a:endParaRPr lang="de-DE" sz="1050" dirty="0"/>
-          </a:p>
-          <a:p>
-            <a:r>
-              <a:rPr lang="de-DE" sz="1050" dirty="0"/>
-              <a:t>[9] </a:t>
-            </a:r>
-            <a:r>
-              <a:rPr lang="de-DE" sz="1050" dirty="0">
-                <a:hlinkClick r:id="rId10"/>
-              </a:rPr>
-              <a:t>Sun, Y., Lin, L., Tang, D., Yang, N., Ji, Z., &amp; Wang, X. (2015). Modeling Mention , </a:t>
-            </a:r>
-            <a:r>
-              <a:rPr lang="de-DE" sz="1050" dirty="0" err="1">
-                <a:hlinkClick r:id="rId10"/>
-              </a:rPr>
-              <a:t>Context</a:t>
-            </a:r>
-            <a:r>
-              <a:rPr lang="de-DE" sz="1050" dirty="0">
-                <a:hlinkClick r:id="rId10"/>
-              </a:rPr>
-              <a:t> </a:t>
-            </a:r>
-            <a:r>
-              <a:rPr lang="de-DE" sz="1050" dirty="0" err="1">
-                <a:hlinkClick r:id="rId10"/>
-              </a:rPr>
-              <a:t>and</a:t>
-            </a:r>
-            <a:r>
-              <a:rPr lang="de-DE" sz="1050" dirty="0">
-                <a:hlinkClick r:id="rId10"/>
-              </a:rPr>
-              <a:t> Entity </a:t>
-            </a:r>
-            <a:r>
-              <a:rPr lang="de-DE" sz="1050" dirty="0" err="1">
-                <a:hlinkClick r:id="rId10"/>
-              </a:rPr>
-              <a:t>with</a:t>
-            </a:r>
-            <a:r>
-              <a:rPr lang="de-DE" sz="1050" dirty="0">
-                <a:hlinkClick r:id="rId10"/>
-              </a:rPr>
-              <a:t> </a:t>
-            </a:r>
-            <a:r>
-              <a:rPr lang="de-DE" sz="1050" dirty="0" err="1">
-                <a:hlinkClick r:id="rId10"/>
-              </a:rPr>
-              <a:t>Neural</a:t>
-            </a:r>
-            <a:r>
-              <a:rPr lang="de-DE" sz="1050" dirty="0">
-                <a:hlinkClick r:id="rId10"/>
-              </a:rPr>
-              <a:t> Networks </a:t>
-            </a:r>
-            <a:r>
-              <a:rPr lang="de-DE" sz="1050" dirty="0" err="1">
-                <a:hlinkClick r:id="rId10"/>
-              </a:rPr>
-              <a:t>for</a:t>
-            </a:r>
-            <a:r>
-              <a:rPr lang="de-DE" sz="1050" dirty="0">
-                <a:hlinkClick r:id="rId10"/>
-              </a:rPr>
-              <a:t> Entity </a:t>
-            </a:r>
-            <a:r>
-              <a:rPr lang="de-DE" sz="1050" dirty="0" err="1">
-                <a:hlinkClick r:id="rId10"/>
-              </a:rPr>
-              <a:t>Disambiguation</a:t>
-            </a:r>
-            <a:r>
-              <a:rPr lang="de-DE" sz="1050" dirty="0">
-                <a:hlinkClick r:id="rId10"/>
-              </a:rPr>
-              <a:t>, (</a:t>
-            </a:r>
-            <a:r>
-              <a:rPr lang="de-DE" sz="1050" dirty="0" err="1">
-                <a:hlinkClick r:id="rId10"/>
-              </a:rPr>
-              <a:t>Ijcai</a:t>
-            </a:r>
-            <a:r>
-              <a:rPr lang="de-DE" sz="1050" dirty="0">
-                <a:hlinkClick r:id="rId10"/>
-              </a:rPr>
-              <a:t>), 1333–1339.</a:t>
-            </a:r>
-            <a:endParaRPr lang="de-DE" sz="1050" dirty="0"/>
-          </a:p>
-          <a:p>
-            <a:pPr marL="0" indent="0">
-              <a:buNone/>
-            </a:pPr>
-            <a:endParaRPr lang="de-DE" sz="1050" dirty="0"/>
-          </a:p>
-        </p:txBody>
-      </p:sp>
-    </p:spTree>
-    <p:extLst>
-      <p:ext uri="{BB962C8B-B14F-4D97-AF65-F5344CB8AC3E}">
-        <p14:creationId xmlns:p14="http://schemas.microsoft.com/office/powerpoint/2010/main" val="1097632464"/>
-      </p:ext>
-    </p:extLst>
-  </p:cSld>
-  <p:clrMapOvr>
-    <a:masterClrMapping/>
-  </p:clrMapOvr>
-  <mc:AlternateContent xmlns:mc="http://schemas.openxmlformats.org/markup-compatibility/2006" xmlns:p14="http://schemas.microsoft.com/office/powerpoint/2010/main">
-    <mc:Choice Requires="p14">
-      <p:transition spd="med" p14:dur="700">
-        <p:fade/>
-      </p:transition>
-    </mc:Choice>
-    <mc:Fallback xmlns="">
-      <p:transition spd="med">
-        <p:fade/>
-      </p:transition>
-    </mc:Fallback>
-  </mc:AlternateContent>
-</p:sld>
-</file>
-
-<file path=ppt/slides/slide32.xml><?xml version="1.0" encoding="utf-8"?>
-<p:sld xmlns:a="http://schemas.openxmlformats.org/drawingml/2006/main" xmlns:r="http://schemas.openxmlformats.org/officeDocument/2006/relationships" xmlns:p="http://schemas.openxmlformats.org/presentationml/2006/main">
-  <p:cSld>
-    <p:spTree>
-      <p:nvGrpSpPr>
-        <p:cNvPr id="1" name=""/>
-        <p:cNvGrpSpPr/>
-        <p:nvPr/>
-      </p:nvGrpSpPr>
-      <p:grpSpPr>
-        <a:xfrm>
-          <a:off x="0" y="0"/>
-          <a:ext cx="0" cy="0"/>
-          <a:chOff x="0" y="0"/>
-          <a:chExt cx="0" cy="0"/>
-        </a:xfrm>
-      </p:grpSpPr>
-      <p:sp>
-        <p:nvSpPr>
-          <p:cNvPr id="2" name="Title 1"/>
-          <p:cNvSpPr>
-            <a:spLocks noGrp="1"/>
-          </p:cNvSpPr>
-          <p:nvPr>
-            <p:ph type="title"/>
-          </p:nvPr>
-        </p:nvSpPr>
-        <p:spPr/>
-        <p:txBody>
-          <a:bodyPr/>
-          <a:lstStyle/>
-          <a:p>
-            <a:r>
-              <a:rPr lang="de-DE" dirty="0"/>
-              <a:t>References</a:t>
-            </a:r>
-          </a:p>
-        </p:txBody>
-      </p:sp>
-      <p:sp>
-        <p:nvSpPr>
-          <p:cNvPr id="3" name="Content Placeholder 2"/>
-          <p:cNvSpPr>
-            <a:spLocks noGrp="1"/>
-          </p:cNvSpPr>
-          <p:nvPr>
-            <p:ph idx="1"/>
-          </p:nvPr>
-        </p:nvSpPr>
-        <p:spPr/>
-        <p:txBody>
-          <a:bodyPr>
-            <a:noAutofit/>
-          </a:bodyPr>
-          <a:lstStyle/>
-          <a:p>
-            <a:r>
-              <a:rPr lang="de-DE" sz="1050" dirty="0"/>
               <a:t>[10] </a:t>
             </a:r>
             <a:r>
@@ -17829,6 +17827,13 @@
       </p:transition>
     </mc:Fallback>
   </mc:AlternateContent>
+  <p:timing>
+    <p:tnLst>
+      <p:par>
+        <p:cTn id="1" dur="indefinite" restart="never" nodeType="tmRoot"/>
+      </p:par>
+    </p:tnLst>
+  </p:timing>
 </p:sld>
 </file>
 
@@ -17955,6 +17960,13 @@
       </p:transition>
     </mc:Fallback>
   </mc:AlternateContent>
+  <p:timing>
+    <p:tnLst>
+      <p:par>
+        <p:cTn id="1" dur="indefinite" restart="never" nodeType="tmRoot"/>
+      </p:par>
+    </p:tnLst>
+  </p:timing>
 </p:sld>
 </file>
 
@@ -18112,6 +18124,13 @@
       </p:transition>
     </mc:Fallback>
   </mc:AlternateContent>
+  <p:timing>
+    <p:tnLst>
+      <p:par>
+        <p:cTn id="1" dur="indefinite" restart="never" nodeType="tmRoot"/>
+      </p:par>
+    </p:tnLst>
+  </p:timing>
 </p:sld>
 </file>
 
@@ -18457,6 +18476,13 @@
       </p:transition>
     </mc:Fallback>
   </mc:AlternateContent>
+  <p:timing>
+    <p:tnLst>
+      <p:par>
+        <p:cTn id="1" dur="indefinite" restart="never" nodeType="tmRoot"/>
+      </p:par>
+    </p:tnLst>
+  </p:timing>
 </p:sld>
 </file>
 
@@ -18944,6 +18970,13 @@
       </p:transition>
     </mc:Fallback>
   </mc:AlternateContent>
+  <p:timing>
+    <p:tnLst>
+      <p:par>
+        <p:cTn id="1" dur="indefinite" restart="never" nodeType="tmRoot"/>
+      </p:par>
+    </p:tnLst>
+  </p:timing>
 </p:sld>
 </file>
 
@@ -19787,6 +19820,13 @@
       </p:transition>
     </mc:Fallback>
   </mc:AlternateContent>
+  <p:timing>
+    <p:tnLst>
+      <p:par>
+        <p:cTn id="1" dur="indefinite" restart="never" nodeType="tmRoot"/>
+      </p:par>
+    </p:tnLst>
+  </p:timing>
 </p:sld>
 </file>
 
@@ -19993,6 +20033,13 @@
       </p:transition>
     </mc:Fallback>
   </mc:AlternateContent>
+  <p:timing>
+    <p:tnLst>
+      <p:par>
+        <p:cTn id="1" dur="indefinite" restart="never" nodeType="tmRoot"/>
+      </p:par>
+    </p:tnLst>
+  </p:timing>
 </p:sld>
 </file>
 
@@ -20744,132 +20791,6 @@
 </file>
 
 <file path=customXml/item1.xml><?xml version="1.0" encoding="utf-8"?>
-<p:properties xmlns:p="http://schemas.microsoft.com/office/2006/metadata/properties" xmlns:xsi="http://www.w3.org/2001/XMLSchema-instance" xmlns:pc="http://schemas.microsoft.com/office/infopath/2007/PartnerControls">
-  <documentManagement>
-    <APDescription xmlns="4873beb7-5857-4685-be1f-d57550cc96cc" xsi:nil="true"/>
-    <AssetExpire xmlns="4873beb7-5857-4685-be1f-d57550cc96cc">2029-01-01T08:00:00+00:00</AssetExpire>
-    <CampaignTagsTaxHTField0 xmlns="4873beb7-5857-4685-be1f-d57550cc96cc">
-      <Terms xmlns="http://schemas.microsoft.com/office/infopath/2007/PartnerControls"/>
-    </CampaignTagsTaxHTField0>
-    <IntlLangReviewDate xmlns="4873beb7-5857-4685-be1f-d57550cc96cc" xsi:nil="true"/>
-    <TPFriendlyName xmlns="4873beb7-5857-4685-be1f-d57550cc96cc" xsi:nil="true"/>
-    <IntlLangReview xmlns="4873beb7-5857-4685-be1f-d57550cc96cc">false</IntlLangReview>
-    <LocLastLocAttemptVersionLookup xmlns="4873beb7-5857-4685-be1f-d57550cc96cc">855024</LocLastLocAttemptVersionLookup>
-    <PolicheckWords xmlns="4873beb7-5857-4685-be1f-d57550cc96cc" xsi:nil="true"/>
-    <SubmitterId xmlns="4873beb7-5857-4685-be1f-d57550cc96cc" xsi:nil="true"/>
-    <AcquiredFrom xmlns="4873beb7-5857-4685-be1f-d57550cc96cc">Internal MS</AcquiredFrom>
-    <EditorialStatus xmlns="4873beb7-5857-4685-be1f-d57550cc96cc">Complete</EditorialStatus>
-    <Markets xmlns="4873beb7-5857-4685-be1f-d57550cc96cc"/>
-    <OriginAsset xmlns="4873beb7-5857-4685-be1f-d57550cc96cc" xsi:nil="true"/>
-    <AssetStart xmlns="4873beb7-5857-4685-be1f-d57550cc96cc">2012-08-31T08:50:00+00:00</AssetStart>
-    <FriendlyTitle xmlns="4873beb7-5857-4685-be1f-d57550cc96cc" xsi:nil="true"/>
-    <MarketSpecific xmlns="4873beb7-5857-4685-be1f-d57550cc96cc">false</MarketSpecific>
-    <TPNamespace xmlns="4873beb7-5857-4685-be1f-d57550cc96cc" xsi:nil="true"/>
-    <PublishStatusLookup xmlns="4873beb7-5857-4685-be1f-d57550cc96cc">
-      <Value>1616423</Value>
-    </PublishStatusLookup>
-    <APAuthor xmlns="4873beb7-5857-4685-be1f-d57550cc96cc">
-      <UserInfo>
-        <DisplayName>REDMOND\kristaa</DisplayName>
-        <AccountId>136</AccountId>
-        <AccountType/>
-      </UserInfo>
-    </APAuthor>
-    <TPCommandLine xmlns="4873beb7-5857-4685-be1f-d57550cc96cc" xsi:nil="true"/>
-    <IntlLangReviewer xmlns="4873beb7-5857-4685-be1f-d57550cc96cc" xsi:nil="true"/>
-    <OpenTemplate xmlns="4873beb7-5857-4685-be1f-d57550cc96cc">true</OpenTemplate>
-    <CSXSubmissionDate xmlns="4873beb7-5857-4685-be1f-d57550cc96cc" xsi:nil="true"/>
-    <TaxCatchAll xmlns="4873beb7-5857-4685-be1f-d57550cc96cc"/>
-    <Manager xmlns="4873beb7-5857-4685-be1f-d57550cc96cc" xsi:nil="true"/>
-    <NumericId xmlns="4873beb7-5857-4685-be1f-d57550cc96cc" xsi:nil="true"/>
-    <ParentAssetId xmlns="4873beb7-5857-4685-be1f-d57550cc96cc" xsi:nil="true"/>
-    <OriginalSourceMarket xmlns="4873beb7-5857-4685-be1f-d57550cc96cc" xsi:nil="true"/>
-    <ApprovalStatus xmlns="4873beb7-5857-4685-be1f-d57550cc96cc">InProgress</ApprovalStatus>
-    <TPComponent xmlns="4873beb7-5857-4685-be1f-d57550cc96cc" xsi:nil="true"/>
-    <EditorialTags xmlns="4873beb7-5857-4685-be1f-d57550cc96cc" xsi:nil="true"/>
-    <TPExecutable xmlns="4873beb7-5857-4685-be1f-d57550cc96cc" xsi:nil="true"/>
-    <TPLaunchHelpLink xmlns="4873beb7-5857-4685-be1f-d57550cc96cc" xsi:nil="true"/>
-    <LocComments xmlns="4873beb7-5857-4685-be1f-d57550cc96cc" xsi:nil="true"/>
-    <LocRecommendedHandoff xmlns="4873beb7-5857-4685-be1f-d57550cc96cc" xsi:nil="true"/>
-    <SourceTitle xmlns="4873beb7-5857-4685-be1f-d57550cc96cc" xsi:nil="true"/>
-    <CSXUpdate xmlns="4873beb7-5857-4685-be1f-d57550cc96cc">false</CSXUpdate>
-    <IntlLocPriority xmlns="4873beb7-5857-4685-be1f-d57550cc96cc" xsi:nil="true"/>
-    <UAProjectedTotalWords xmlns="4873beb7-5857-4685-be1f-d57550cc96cc" xsi:nil="true"/>
-    <AssetType xmlns="4873beb7-5857-4685-be1f-d57550cc96cc">TP</AssetType>
-    <MachineTranslated xmlns="4873beb7-5857-4685-be1f-d57550cc96cc">false</MachineTranslated>
-    <OutputCachingOn xmlns="4873beb7-5857-4685-be1f-d57550cc96cc">false</OutputCachingOn>
-    <TemplateStatus xmlns="4873beb7-5857-4685-be1f-d57550cc96cc">Complete</TemplateStatus>
-    <IsSearchable xmlns="4873beb7-5857-4685-be1f-d57550cc96cc">true</IsSearchable>
-    <ContentItem xmlns="4873beb7-5857-4685-be1f-d57550cc96cc" xsi:nil="true"/>
-    <HandoffToMSDN xmlns="4873beb7-5857-4685-be1f-d57550cc96cc" xsi:nil="true"/>
-    <ShowIn xmlns="4873beb7-5857-4685-be1f-d57550cc96cc">Show everywhere</ShowIn>
-    <ThumbnailAssetId xmlns="4873beb7-5857-4685-be1f-d57550cc96cc" xsi:nil="true"/>
-    <UALocComments xmlns="4873beb7-5857-4685-be1f-d57550cc96cc" xsi:nil="true"/>
-    <UALocRecommendation xmlns="4873beb7-5857-4685-be1f-d57550cc96cc">Localize</UALocRecommendation>
-    <LastModifiedDateTime xmlns="4873beb7-5857-4685-be1f-d57550cc96cc" xsi:nil="true"/>
-    <LegacyData xmlns="4873beb7-5857-4685-be1f-d57550cc96cc" xsi:nil="true"/>
-    <LocManualTestRequired xmlns="4873beb7-5857-4685-be1f-d57550cc96cc">false</LocManualTestRequired>
-    <LocMarketGroupTiers2 xmlns="4873beb7-5857-4685-be1f-d57550cc96cc" xsi:nil="true"/>
-    <ClipArtFilename xmlns="4873beb7-5857-4685-be1f-d57550cc96cc" xsi:nil="true"/>
-    <TPApplication xmlns="4873beb7-5857-4685-be1f-d57550cc96cc" xsi:nil="true"/>
-    <CSXHash xmlns="4873beb7-5857-4685-be1f-d57550cc96cc" xsi:nil="true"/>
-    <DirectSourceMarket xmlns="4873beb7-5857-4685-be1f-d57550cc96cc" xsi:nil="true"/>
-    <PrimaryImageGen xmlns="4873beb7-5857-4685-be1f-d57550cc96cc">true</PrimaryImageGen>
-    <PlannedPubDate xmlns="4873beb7-5857-4685-be1f-d57550cc96cc" xsi:nil="true"/>
-    <CSXSubmissionMarket xmlns="4873beb7-5857-4685-be1f-d57550cc96cc" xsi:nil="true"/>
-    <Downloads xmlns="4873beb7-5857-4685-be1f-d57550cc96cc">0</Downloads>
-    <ArtSampleDocs xmlns="4873beb7-5857-4685-be1f-d57550cc96cc" xsi:nil="true"/>
-    <TrustLevel xmlns="4873beb7-5857-4685-be1f-d57550cc96cc">1 Microsoft Managed Content</TrustLevel>
-    <BlockPublish xmlns="4873beb7-5857-4685-be1f-d57550cc96cc">false</BlockPublish>
-    <TPLaunchHelpLinkType xmlns="4873beb7-5857-4685-be1f-d57550cc96cc">Template</TPLaunchHelpLinkType>
-    <LocalizationTagsTaxHTField0 xmlns="4873beb7-5857-4685-be1f-d57550cc96cc">
-      <Terms xmlns="http://schemas.microsoft.com/office/infopath/2007/PartnerControls"/>
-    </LocalizationTagsTaxHTField0>
-    <BusinessGroup xmlns="4873beb7-5857-4685-be1f-d57550cc96cc" xsi:nil="true"/>
-    <Providers xmlns="4873beb7-5857-4685-be1f-d57550cc96cc" xsi:nil="true"/>
-    <TemplateTemplateType xmlns="4873beb7-5857-4685-be1f-d57550cc96cc">PowerPoint Presentation Template</TemplateTemplateType>
-    <TimesCloned xmlns="4873beb7-5857-4685-be1f-d57550cc96cc" xsi:nil="true"/>
-    <TPAppVersion xmlns="4873beb7-5857-4685-be1f-d57550cc96cc" xsi:nil="true"/>
-    <VoteCount xmlns="4873beb7-5857-4685-be1f-d57550cc96cc" xsi:nil="true"/>
-    <AverageRating xmlns="4873beb7-5857-4685-be1f-d57550cc96cc" xsi:nil="true"/>
-    <FeatureTagsTaxHTField0 xmlns="4873beb7-5857-4685-be1f-d57550cc96cc">
-      <Terms xmlns="http://schemas.microsoft.com/office/infopath/2007/PartnerControls"/>
-    </FeatureTagsTaxHTField0>
-    <Provider xmlns="4873beb7-5857-4685-be1f-d57550cc96cc" xsi:nil="true"/>
-    <UACurrentWords xmlns="4873beb7-5857-4685-be1f-d57550cc96cc" xsi:nil="true"/>
-    <AssetId xmlns="4873beb7-5857-4685-be1f-d57550cc96cc">TP103431361</AssetId>
-    <TPClientViewer xmlns="4873beb7-5857-4685-be1f-d57550cc96cc" xsi:nil="true"/>
-    <DSATActionTaken xmlns="4873beb7-5857-4685-be1f-d57550cc96cc" xsi:nil="true"/>
-    <APEditor xmlns="4873beb7-5857-4685-be1f-d57550cc96cc">
-      <UserInfo>
-        <DisplayName/>
-        <AccountId xsi:nil="true"/>
-        <AccountType/>
-      </UserInfo>
-    </APEditor>
-    <TPInstallLocation xmlns="4873beb7-5857-4685-be1f-d57550cc96cc" xsi:nil="true"/>
-    <OOCacheId xmlns="4873beb7-5857-4685-be1f-d57550cc96cc" xsi:nil="true"/>
-    <IsDeleted xmlns="4873beb7-5857-4685-be1f-d57550cc96cc">false</IsDeleted>
-    <PublishTargets xmlns="4873beb7-5857-4685-be1f-d57550cc96cc">OfficeOnlineVNext</PublishTargets>
-    <ApprovalLog xmlns="4873beb7-5857-4685-be1f-d57550cc96cc" xsi:nil="true"/>
-    <BugNumber xmlns="4873beb7-5857-4685-be1f-d57550cc96cc" xsi:nil="true"/>
-    <CrawlForDependencies xmlns="4873beb7-5857-4685-be1f-d57550cc96cc">false</CrawlForDependencies>
-    <InternalTagsTaxHTField0 xmlns="4873beb7-5857-4685-be1f-d57550cc96cc">
-      <Terms xmlns="http://schemas.microsoft.com/office/infopath/2007/PartnerControls"/>
-    </InternalTagsTaxHTField0>
-    <LastHandOff xmlns="4873beb7-5857-4685-be1f-d57550cc96cc" xsi:nil="true"/>
-    <Milestone xmlns="4873beb7-5857-4685-be1f-d57550cc96cc" xsi:nil="true"/>
-    <OriginalRelease xmlns="4873beb7-5857-4685-be1f-d57550cc96cc">15</OriginalRelease>
-    <RecommendationsModifier xmlns="4873beb7-5857-4685-be1f-d57550cc96cc" xsi:nil="true"/>
-    <ScenarioTagsTaxHTField0 xmlns="4873beb7-5857-4685-be1f-d57550cc96cc">
-      <Terms xmlns="http://schemas.microsoft.com/office/infopath/2007/PartnerControls"/>
-    </ScenarioTagsTaxHTField0>
-    <UANotes xmlns="4873beb7-5857-4685-be1f-d57550cc96cc" xsi:nil="true"/>
-  </documentManagement>
-</p:properties>
-</file>
-
-<file path=customXml/item2.xml><?xml version="1.0" encoding="utf-8"?>
 <ct:contentTypeSchema xmlns:ct="http://schemas.microsoft.com/office/2006/metadata/contentType" xmlns:ma="http://schemas.microsoft.com/office/2006/metadata/properties/metaAttributes" ct:_="" ma:_="" ma:contentTypeName="TemplateFile" ma:contentTypeID="0x0101006EDDDB5EE6D98C44930B742096920B300400F5B6D36B3EF94B4E9A635CDF2A18F5B8" ma:contentTypeVersion="72" ma:contentTypeDescription="Create a new document." ma:contentTypeScope="" ma:versionID="a23e56308344d904b51738559c3d67c9">
   <xsd:schema xmlns:xsd="http://www.w3.org/2001/XMLSchema" xmlns:xs="http://www.w3.org/2001/XMLSchema" xmlns:p="http://schemas.microsoft.com/office/2006/metadata/properties" xmlns:ns2="4873beb7-5857-4685-be1f-d57550cc96cc" targetNamespace="http://schemas.microsoft.com/office/2006/metadata/properties" ma:root="true" ma:fieldsID="cd0908cc4600e77bf5da051303e00c8d" ns2:_="">
     <xsd:import namespace="4873beb7-5857-4685-be1f-d57550cc96cc"/>
@@ -21909,6 +21830,132 @@
 </ct:contentTypeSchema>
 </file>
 
+<file path=customXml/item2.xml><?xml version="1.0" encoding="utf-8"?>
+<p:properties xmlns:p="http://schemas.microsoft.com/office/2006/metadata/properties" xmlns:xsi="http://www.w3.org/2001/XMLSchema-instance" xmlns:pc="http://schemas.microsoft.com/office/infopath/2007/PartnerControls">
+  <documentManagement>
+    <APDescription xmlns="4873beb7-5857-4685-be1f-d57550cc96cc" xsi:nil="true"/>
+    <AssetExpire xmlns="4873beb7-5857-4685-be1f-d57550cc96cc">2029-01-01T08:00:00+00:00</AssetExpire>
+    <CampaignTagsTaxHTField0 xmlns="4873beb7-5857-4685-be1f-d57550cc96cc">
+      <Terms xmlns="http://schemas.microsoft.com/office/infopath/2007/PartnerControls"/>
+    </CampaignTagsTaxHTField0>
+    <IntlLangReviewDate xmlns="4873beb7-5857-4685-be1f-d57550cc96cc" xsi:nil="true"/>
+    <TPFriendlyName xmlns="4873beb7-5857-4685-be1f-d57550cc96cc" xsi:nil="true"/>
+    <IntlLangReview xmlns="4873beb7-5857-4685-be1f-d57550cc96cc">false</IntlLangReview>
+    <LocLastLocAttemptVersionLookup xmlns="4873beb7-5857-4685-be1f-d57550cc96cc">855024</LocLastLocAttemptVersionLookup>
+    <PolicheckWords xmlns="4873beb7-5857-4685-be1f-d57550cc96cc" xsi:nil="true"/>
+    <SubmitterId xmlns="4873beb7-5857-4685-be1f-d57550cc96cc" xsi:nil="true"/>
+    <AcquiredFrom xmlns="4873beb7-5857-4685-be1f-d57550cc96cc">Internal MS</AcquiredFrom>
+    <EditorialStatus xmlns="4873beb7-5857-4685-be1f-d57550cc96cc">Complete</EditorialStatus>
+    <Markets xmlns="4873beb7-5857-4685-be1f-d57550cc96cc"/>
+    <OriginAsset xmlns="4873beb7-5857-4685-be1f-d57550cc96cc" xsi:nil="true"/>
+    <AssetStart xmlns="4873beb7-5857-4685-be1f-d57550cc96cc">2012-08-31T08:50:00+00:00</AssetStart>
+    <FriendlyTitle xmlns="4873beb7-5857-4685-be1f-d57550cc96cc" xsi:nil="true"/>
+    <MarketSpecific xmlns="4873beb7-5857-4685-be1f-d57550cc96cc">false</MarketSpecific>
+    <TPNamespace xmlns="4873beb7-5857-4685-be1f-d57550cc96cc" xsi:nil="true"/>
+    <PublishStatusLookup xmlns="4873beb7-5857-4685-be1f-d57550cc96cc">
+      <Value>1616423</Value>
+    </PublishStatusLookup>
+    <APAuthor xmlns="4873beb7-5857-4685-be1f-d57550cc96cc">
+      <UserInfo>
+        <DisplayName>REDMOND\kristaa</DisplayName>
+        <AccountId>136</AccountId>
+        <AccountType/>
+      </UserInfo>
+    </APAuthor>
+    <TPCommandLine xmlns="4873beb7-5857-4685-be1f-d57550cc96cc" xsi:nil="true"/>
+    <IntlLangReviewer xmlns="4873beb7-5857-4685-be1f-d57550cc96cc" xsi:nil="true"/>
+    <OpenTemplate xmlns="4873beb7-5857-4685-be1f-d57550cc96cc">true</OpenTemplate>
+    <CSXSubmissionDate xmlns="4873beb7-5857-4685-be1f-d57550cc96cc" xsi:nil="true"/>
+    <TaxCatchAll xmlns="4873beb7-5857-4685-be1f-d57550cc96cc"/>
+    <Manager xmlns="4873beb7-5857-4685-be1f-d57550cc96cc" xsi:nil="true"/>
+    <NumericId xmlns="4873beb7-5857-4685-be1f-d57550cc96cc" xsi:nil="true"/>
+    <ParentAssetId xmlns="4873beb7-5857-4685-be1f-d57550cc96cc" xsi:nil="true"/>
+    <OriginalSourceMarket xmlns="4873beb7-5857-4685-be1f-d57550cc96cc" xsi:nil="true"/>
+    <ApprovalStatus xmlns="4873beb7-5857-4685-be1f-d57550cc96cc">InProgress</ApprovalStatus>
+    <TPComponent xmlns="4873beb7-5857-4685-be1f-d57550cc96cc" xsi:nil="true"/>
+    <EditorialTags xmlns="4873beb7-5857-4685-be1f-d57550cc96cc" xsi:nil="true"/>
+    <TPExecutable xmlns="4873beb7-5857-4685-be1f-d57550cc96cc" xsi:nil="true"/>
+    <TPLaunchHelpLink xmlns="4873beb7-5857-4685-be1f-d57550cc96cc" xsi:nil="true"/>
+    <LocComments xmlns="4873beb7-5857-4685-be1f-d57550cc96cc" xsi:nil="true"/>
+    <LocRecommendedHandoff xmlns="4873beb7-5857-4685-be1f-d57550cc96cc" xsi:nil="true"/>
+    <SourceTitle xmlns="4873beb7-5857-4685-be1f-d57550cc96cc" xsi:nil="true"/>
+    <CSXUpdate xmlns="4873beb7-5857-4685-be1f-d57550cc96cc">false</CSXUpdate>
+    <IntlLocPriority xmlns="4873beb7-5857-4685-be1f-d57550cc96cc" xsi:nil="true"/>
+    <UAProjectedTotalWords xmlns="4873beb7-5857-4685-be1f-d57550cc96cc" xsi:nil="true"/>
+    <AssetType xmlns="4873beb7-5857-4685-be1f-d57550cc96cc">TP</AssetType>
+    <MachineTranslated xmlns="4873beb7-5857-4685-be1f-d57550cc96cc">false</MachineTranslated>
+    <OutputCachingOn xmlns="4873beb7-5857-4685-be1f-d57550cc96cc">false</OutputCachingOn>
+    <TemplateStatus xmlns="4873beb7-5857-4685-be1f-d57550cc96cc">Complete</TemplateStatus>
+    <IsSearchable xmlns="4873beb7-5857-4685-be1f-d57550cc96cc">true</IsSearchable>
+    <ContentItem xmlns="4873beb7-5857-4685-be1f-d57550cc96cc" xsi:nil="true"/>
+    <HandoffToMSDN xmlns="4873beb7-5857-4685-be1f-d57550cc96cc" xsi:nil="true"/>
+    <ShowIn xmlns="4873beb7-5857-4685-be1f-d57550cc96cc">Show everywhere</ShowIn>
+    <ThumbnailAssetId xmlns="4873beb7-5857-4685-be1f-d57550cc96cc" xsi:nil="true"/>
+    <UALocComments xmlns="4873beb7-5857-4685-be1f-d57550cc96cc" xsi:nil="true"/>
+    <UALocRecommendation xmlns="4873beb7-5857-4685-be1f-d57550cc96cc">Localize</UALocRecommendation>
+    <LastModifiedDateTime xmlns="4873beb7-5857-4685-be1f-d57550cc96cc" xsi:nil="true"/>
+    <LegacyData xmlns="4873beb7-5857-4685-be1f-d57550cc96cc" xsi:nil="true"/>
+    <LocManualTestRequired xmlns="4873beb7-5857-4685-be1f-d57550cc96cc">false</LocManualTestRequired>
+    <LocMarketGroupTiers2 xmlns="4873beb7-5857-4685-be1f-d57550cc96cc" xsi:nil="true"/>
+    <ClipArtFilename xmlns="4873beb7-5857-4685-be1f-d57550cc96cc" xsi:nil="true"/>
+    <TPApplication xmlns="4873beb7-5857-4685-be1f-d57550cc96cc" xsi:nil="true"/>
+    <CSXHash xmlns="4873beb7-5857-4685-be1f-d57550cc96cc" xsi:nil="true"/>
+    <DirectSourceMarket xmlns="4873beb7-5857-4685-be1f-d57550cc96cc" xsi:nil="true"/>
+    <PrimaryImageGen xmlns="4873beb7-5857-4685-be1f-d57550cc96cc">true</PrimaryImageGen>
+    <PlannedPubDate xmlns="4873beb7-5857-4685-be1f-d57550cc96cc" xsi:nil="true"/>
+    <CSXSubmissionMarket xmlns="4873beb7-5857-4685-be1f-d57550cc96cc" xsi:nil="true"/>
+    <Downloads xmlns="4873beb7-5857-4685-be1f-d57550cc96cc">0</Downloads>
+    <ArtSampleDocs xmlns="4873beb7-5857-4685-be1f-d57550cc96cc" xsi:nil="true"/>
+    <TrustLevel xmlns="4873beb7-5857-4685-be1f-d57550cc96cc">1 Microsoft Managed Content</TrustLevel>
+    <BlockPublish xmlns="4873beb7-5857-4685-be1f-d57550cc96cc">false</BlockPublish>
+    <TPLaunchHelpLinkType xmlns="4873beb7-5857-4685-be1f-d57550cc96cc">Template</TPLaunchHelpLinkType>
+    <LocalizationTagsTaxHTField0 xmlns="4873beb7-5857-4685-be1f-d57550cc96cc">
+      <Terms xmlns="http://schemas.microsoft.com/office/infopath/2007/PartnerControls"/>
+    </LocalizationTagsTaxHTField0>
+    <BusinessGroup xmlns="4873beb7-5857-4685-be1f-d57550cc96cc" xsi:nil="true"/>
+    <Providers xmlns="4873beb7-5857-4685-be1f-d57550cc96cc" xsi:nil="true"/>
+    <TemplateTemplateType xmlns="4873beb7-5857-4685-be1f-d57550cc96cc">PowerPoint Presentation Template</TemplateTemplateType>
+    <TimesCloned xmlns="4873beb7-5857-4685-be1f-d57550cc96cc" xsi:nil="true"/>
+    <TPAppVersion xmlns="4873beb7-5857-4685-be1f-d57550cc96cc" xsi:nil="true"/>
+    <VoteCount xmlns="4873beb7-5857-4685-be1f-d57550cc96cc" xsi:nil="true"/>
+    <AverageRating xmlns="4873beb7-5857-4685-be1f-d57550cc96cc" xsi:nil="true"/>
+    <FeatureTagsTaxHTField0 xmlns="4873beb7-5857-4685-be1f-d57550cc96cc">
+      <Terms xmlns="http://schemas.microsoft.com/office/infopath/2007/PartnerControls"/>
+    </FeatureTagsTaxHTField0>
+    <Provider xmlns="4873beb7-5857-4685-be1f-d57550cc96cc" xsi:nil="true"/>
+    <UACurrentWords xmlns="4873beb7-5857-4685-be1f-d57550cc96cc" xsi:nil="true"/>
+    <AssetId xmlns="4873beb7-5857-4685-be1f-d57550cc96cc">TP103431361</AssetId>
+    <TPClientViewer xmlns="4873beb7-5857-4685-be1f-d57550cc96cc" xsi:nil="true"/>
+    <DSATActionTaken xmlns="4873beb7-5857-4685-be1f-d57550cc96cc" xsi:nil="true"/>
+    <APEditor xmlns="4873beb7-5857-4685-be1f-d57550cc96cc">
+      <UserInfo>
+        <DisplayName/>
+        <AccountId xsi:nil="true"/>
+        <AccountType/>
+      </UserInfo>
+    </APEditor>
+    <TPInstallLocation xmlns="4873beb7-5857-4685-be1f-d57550cc96cc" xsi:nil="true"/>
+    <OOCacheId xmlns="4873beb7-5857-4685-be1f-d57550cc96cc" xsi:nil="true"/>
+    <IsDeleted xmlns="4873beb7-5857-4685-be1f-d57550cc96cc">false</IsDeleted>
+    <PublishTargets xmlns="4873beb7-5857-4685-be1f-d57550cc96cc">OfficeOnlineVNext</PublishTargets>
+    <ApprovalLog xmlns="4873beb7-5857-4685-be1f-d57550cc96cc" xsi:nil="true"/>
+    <BugNumber xmlns="4873beb7-5857-4685-be1f-d57550cc96cc" xsi:nil="true"/>
+    <CrawlForDependencies xmlns="4873beb7-5857-4685-be1f-d57550cc96cc">false</CrawlForDependencies>
+    <InternalTagsTaxHTField0 xmlns="4873beb7-5857-4685-be1f-d57550cc96cc">
+      <Terms xmlns="http://schemas.microsoft.com/office/infopath/2007/PartnerControls"/>
+    </InternalTagsTaxHTField0>
+    <LastHandOff xmlns="4873beb7-5857-4685-be1f-d57550cc96cc" xsi:nil="true"/>
+    <Milestone xmlns="4873beb7-5857-4685-be1f-d57550cc96cc" xsi:nil="true"/>
+    <OriginalRelease xmlns="4873beb7-5857-4685-be1f-d57550cc96cc">15</OriginalRelease>
+    <RecommendationsModifier xmlns="4873beb7-5857-4685-be1f-d57550cc96cc" xsi:nil="true"/>
+    <ScenarioTagsTaxHTField0 xmlns="4873beb7-5857-4685-be1f-d57550cc96cc">
+      <Terms xmlns="http://schemas.microsoft.com/office/infopath/2007/PartnerControls"/>
+    </ScenarioTagsTaxHTField0>
+    <UANotes xmlns="4873beb7-5857-4685-be1f-d57550cc96cc" xsi:nil="true"/>
+  </documentManagement>
+</p:properties>
+</file>
+
 <file path=customXml/item3.xml><?xml version="1.0" encoding="utf-8"?>
 <?mso-contentType ?>
 <FormTemplates xmlns="http://schemas.microsoft.com/sharepoint/v3/contenttype/forms">
@@ -21919,22 +21966,6 @@
 </file>
 
 <file path=customXml/itemProps1.xml><?xml version="1.0" encoding="utf-8"?>
-<ds:datastoreItem xmlns:ds="http://schemas.openxmlformats.org/officeDocument/2006/customXml" ds:itemID="{8CDDBB83-77C1-4099-A0AA-289882E745E2}">
-  <ds:schemaRefs>
-    <ds:schemaRef ds:uri="http://schemas.microsoft.com/office/infopath/2007/PartnerControls"/>
-    <ds:schemaRef ds:uri="http://purl.org/dc/elements/1.1/"/>
-    <ds:schemaRef ds:uri="http://schemas.microsoft.com/office/2006/metadata/properties"/>
-    <ds:schemaRef ds:uri="http://purl.org/dc/terms/"/>
-    <ds:schemaRef ds:uri="4873beb7-5857-4685-be1f-d57550cc96cc"/>
-    <ds:schemaRef ds:uri="http://schemas.openxmlformats.org/package/2006/metadata/core-properties"/>
-    <ds:schemaRef ds:uri="http://schemas.microsoft.com/office/2006/documentManagement/types"/>
-    <ds:schemaRef ds:uri="http://www.w3.org/XML/1998/namespace"/>
-    <ds:schemaRef ds:uri="http://purl.org/dc/dcmitype/"/>
-  </ds:schemaRefs>
-</ds:datastoreItem>
-</file>
-
-<file path=customXml/itemProps2.xml><?xml version="1.0" encoding="utf-8"?>
 <ds:datastoreItem xmlns:ds="http://schemas.openxmlformats.org/officeDocument/2006/customXml" ds:itemID="{28C8B9CA-0273-4370-889A-FC05DA5C2FA5}">
   <ds:schemaRefs>
     <ds:schemaRef ds:uri="http://schemas.microsoft.com/office/2006/metadata/contentType"/>
@@ -21952,6 +21983,22 @@
 </ds:datastoreItem>
 </file>
 
+<file path=customXml/itemProps2.xml><?xml version="1.0" encoding="utf-8"?>
+<ds:datastoreItem xmlns:ds="http://schemas.openxmlformats.org/officeDocument/2006/customXml" ds:itemID="{8CDDBB83-77C1-4099-A0AA-289882E745E2}">
+  <ds:schemaRefs>
+    <ds:schemaRef ds:uri="4873beb7-5857-4685-be1f-d57550cc96cc"/>
+    <ds:schemaRef ds:uri="http://schemas.openxmlformats.org/package/2006/metadata/core-properties"/>
+    <ds:schemaRef ds:uri="http://purl.org/dc/dcmitype/"/>
+    <ds:schemaRef ds:uri="http://purl.org/dc/elements/1.1/"/>
+    <ds:schemaRef ds:uri="http://schemas.microsoft.com/office/infopath/2007/PartnerControls"/>
+    <ds:schemaRef ds:uri="http://schemas.microsoft.com/office/2006/documentManagement/types"/>
+    <ds:schemaRef ds:uri="http://www.w3.org/XML/1998/namespace"/>
+    <ds:schemaRef ds:uri="http://purl.org/dc/terms/"/>
+    <ds:schemaRef ds:uri="http://schemas.microsoft.com/office/2006/metadata/properties"/>
+  </ds:schemaRefs>
+</ds:datastoreItem>
+</file>
+
 <file path=customXml/itemProps3.xml><?xml version="1.0" encoding="utf-8"?>
 <ds:datastoreItem xmlns:ds="http://schemas.openxmlformats.org/officeDocument/2006/customXml" ds:itemID="{561E720F-F05D-4536-9C34-0CFCED65D3B7}">
   <ds:schemaRefs>
